--- a/Lec3/L3.pptx
+++ b/Lec3/L3.pptx
@@ -5,50 +5,57 @@
     <p:sldMasterId id="2147483648" r:id="rId1"/>
   </p:sldMasterIdLst>
   <p:notesMasterIdLst>
-    <p:notesMasterId r:id="rId40"/>
+    <p:notesMasterId r:id="rId47"/>
   </p:notesMasterIdLst>
   <p:handoutMasterIdLst>
-    <p:handoutMasterId r:id="rId41"/>
+    <p:handoutMasterId r:id="rId48"/>
   </p:handoutMasterIdLst>
   <p:sldIdLst>
     <p:sldId id="414" r:id="rId2"/>
-    <p:sldId id="861" r:id="rId3"/>
-    <p:sldId id="866" r:id="rId4"/>
-    <p:sldId id="867" r:id="rId5"/>
-    <p:sldId id="868" r:id="rId6"/>
-    <p:sldId id="869" r:id="rId7"/>
-    <p:sldId id="871" r:id="rId8"/>
-    <p:sldId id="870" r:id="rId9"/>
-    <p:sldId id="865" r:id="rId10"/>
-    <p:sldId id="862" r:id="rId11"/>
-    <p:sldId id="863" r:id="rId12"/>
-    <p:sldId id="864" r:id="rId13"/>
-    <p:sldId id="872" r:id="rId14"/>
-    <p:sldId id="873" r:id="rId15"/>
-    <p:sldId id="874" r:id="rId16"/>
-    <p:sldId id="875" r:id="rId17"/>
-    <p:sldId id="876" r:id="rId18"/>
-    <p:sldId id="877" r:id="rId19"/>
-    <p:sldId id="878" r:id="rId20"/>
-    <p:sldId id="879" r:id="rId21"/>
-    <p:sldId id="880" r:id="rId22"/>
-    <p:sldId id="881" r:id="rId23"/>
-    <p:sldId id="886" r:id="rId24"/>
-    <p:sldId id="882" r:id="rId25"/>
-    <p:sldId id="884" r:id="rId26"/>
-    <p:sldId id="885" r:id="rId27"/>
-    <p:sldId id="883" r:id="rId28"/>
-    <p:sldId id="887" r:id="rId29"/>
-    <p:sldId id="889" r:id="rId30"/>
-    <p:sldId id="890" r:id="rId31"/>
-    <p:sldId id="891" r:id="rId32"/>
-    <p:sldId id="892" r:id="rId33"/>
-    <p:sldId id="894" r:id="rId34"/>
-    <p:sldId id="895" r:id="rId35"/>
-    <p:sldId id="896" r:id="rId36"/>
-    <p:sldId id="897" r:id="rId37"/>
-    <p:sldId id="898" r:id="rId38"/>
-    <p:sldId id="899" r:id="rId39"/>
+    <p:sldId id="906" r:id="rId3"/>
+    <p:sldId id="900" r:id="rId4"/>
+    <p:sldId id="901" r:id="rId5"/>
+    <p:sldId id="902" r:id="rId6"/>
+    <p:sldId id="903" r:id="rId7"/>
+    <p:sldId id="904" r:id="rId8"/>
+    <p:sldId id="905" r:id="rId9"/>
+    <p:sldId id="861" r:id="rId10"/>
+    <p:sldId id="866" r:id="rId11"/>
+    <p:sldId id="867" r:id="rId12"/>
+    <p:sldId id="868" r:id="rId13"/>
+    <p:sldId id="869" r:id="rId14"/>
+    <p:sldId id="871" r:id="rId15"/>
+    <p:sldId id="870" r:id="rId16"/>
+    <p:sldId id="865" r:id="rId17"/>
+    <p:sldId id="862" r:id="rId18"/>
+    <p:sldId id="863" r:id="rId19"/>
+    <p:sldId id="864" r:id="rId20"/>
+    <p:sldId id="872" r:id="rId21"/>
+    <p:sldId id="873" r:id="rId22"/>
+    <p:sldId id="874" r:id="rId23"/>
+    <p:sldId id="875" r:id="rId24"/>
+    <p:sldId id="876" r:id="rId25"/>
+    <p:sldId id="877" r:id="rId26"/>
+    <p:sldId id="878" r:id="rId27"/>
+    <p:sldId id="879" r:id="rId28"/>
+    <p:sldId id="880" r:id="rId29"/>
+    <p:sldId id="881" r:id="rId30"/>
+    <p:sldId id="886" r:id="rId31"/>
+    <p:sldId id="882" r:id="rId32"/>
+    <p:sldId id="884" r:id="rId33"/>
+    <p:sldId id="885" r:id="rId34"/>
+    <p:sldId id="883" r:id="rId35"/>
+    <p:sldId id="887" r:id="rId36"/>
+    <p:sldId id="889" r:id="rId37"/>
+    <p:sldId id="890" r:id="rId38"/>
+    <p:sldId id="891" r:id="rId39"/>
+    <p:sldId id="892" r:id="rId40"/>
+    <p:sldId id="894" r:id="rId41"/>
+    <p:sldId id="895" r:id="rId42"/>
+    <p:sldId id="896" r:id="rId43"/>
+    <p:sldId id="897" r:id="rId44"/>
+    <p:sldId id="898" r:id="rId45"/>
+    <p:sldId id="899" r:id="rId46"/>
   </p:sldIdLst>
   <p:sldSz cx="12192000" cy="6858000"/>
   <p:notesSz cx="6858000" cy="9144000"/>
@@ -252,7 +259,7 @@
           <a:p>
             <a:fld id="{36B64484-7F23-844A-BCEB-06DFAD827E32}" type="datetimeFigureOut">
               <a:rPr lang="en-US" smtClean="0"/>
-              <a:t>1/14/22</a:t>
+              <a:t>1/18/22</a:t>
             </a:fld>
             <a:endParaRPr lang="en-US"/>
           </a:p>
@@ -429,7 +436,7 @@
           <a:p>
             <a:fld id="{4EBE11B0-21E1-9842-BB37-72784894B0AB}" type="datetimeFigureOut">
               <a:rPr lang="en-US" smtClean="0"/>
-              <a:t>1/14/22</a:t>
+              <a:t>1/18/22</a:t>
             </a:fld>
             <a:endParaRPr lang="en-US"/>
           </a:p>
@@ -3830,7 +3837,7 @@
           </a:ln>
           <a:extLst>
             <a:ext uri="{C572A759-6A51-4108-AA02-DFA0A04FC94B}">
-              <ma14:wrappingTextBoxFlag xmlns:ma14="http://schemas.microsoft.com/office/mac/drawingml/2011/main" xmlns="" val="1"/>
+              <ma14:wrappingTextBoxFlag xmlns="" xmlns:ma14="http://schemas.microsoft.com/office/mac/drawingml/2011/main" val="1"/>
             </a:ext>
           </a:extLst>
         </p:spPr>
@@ -3884,8 +3891,8 @@
         </p:nvSpPr>
         <p:spPr>
           <a:xfrm>
-            <a:off x="838200" y="496232"/>
-            <a:ext cx="10515600" cy="659468"/>
+            <a:off x="838200" y="496231"/>
+            <a:ext cx="10515600" cy="1106961"/>
           </a:xfrm>
           <a:solidFill>
             <a:schemeClr val="accent2">
@@ -3905,6 +3912,13 @@
             <a:r>
               <a:rPr lang="en-US" sz="3600" dirty="0"/>
               <a:t>CS 6110 Software Correctness, Spring 2022</a:t>
+            </a:r>
+            <a:br>
+              <a:rPr lang="en-US" sz="3600" dirty="0"/>
+            </a:br>
+            <a:r>
+              <a:rPr lang="en-US" sz="3600" dirty="0"/>
+              <a:t>(edited from a previous class; look for bugs!)</a:t>
             </a:r>
             <a:endParaRPr lang="en-US" dirty="0"/>
           </a:p>
@@ -3973,17 +3987,17 @@
           <a:p>
             <a:r>
               <a:rPr lang="en-US" dirty="0"/>
-              <a:t>ex5</a:t>
+              <a:t>ex1</a:t>
             </a:r>
           </a:p>
         </p:txBody>
       </p:sp>
       <p:pic>
         <p:nvPicPr>
-          <p:cNvPr id="4" name="Picture 3" descr="A screenshot of a social media post&#13;&#10;&#13;&#10;Description automatically generated">
-            <a:extLst>
-              <a:ext uri="{FF2B5EF4-FFF2-40B4-BE49-F238E27FC236}">
-                <a16:creationId xmlns:a16="http://schemas.microsoft.com/office/drawing/2014/main" id="{56F5FABF-D9B0-EF4E-BABB-511DC7AA7CEE}"/>
+          <p:cNvPr id="4" name="Picture 3" descr="A picture containing clock&#13;&#10;&#13;&#10;Description automatically generated">
+            <a:extLst>
+              <a:ext uri="{FF2B5EF4-FFF2-40B4-BE49-F238E27FC236}">
+                <a16:creationId xmlns:a16="http://schemas.microsoft.com/office/drawing/2014/main" id="{227AC9B3-C53D-0746-81B5-386DB84F1C7B}"/>
               </a:ext>
             </a:extLst>
           </p:cNvPr>
@@ -4000,8 +4014,38 @@
         </p:blipFill>
         <p:spPr>
           <a:xfrm>
-            <a:off x="1848344" y="0"/>
-            <a:ext cx="8495312" cy="6858000"/>
+            <a:off x="5564778" y="-1601"/>
+            <a:ext cx="3486668" cy="6858000"/>
+          </a:xfrm>
+          <a:prstGeom prst="rect">
+            <a:avLst/>
+          </a:prstGeom>
+        </p:spPr>
+      </p:pic>
+      <p:pic>
+        <p:nvPicPr>
+          <p:cNvPr id="6" name="Picture 5" descr="A close up of a screen&#13;&#10;&#13;&#10;Description automatically generated">
+            <a:extLst>
+              <a:ext uri="{FF2B5EF4-FFF2-40B4-BE49-F238E27FC236}">
+                <a16:creationId xmlns:a16="http://schemas.microsoft.com/office/drawing/2014/main" id="{1C913978-1585-0446-91D3-A8880F628254}"/>
+              </a:ext>
+            </a:extLst>
+          </p:cNvPr>
+          <p:cNvPicPr>
+            <a:picLocks noChangeAspect="1"/>
+          </p:cNvPicPr>
+          <p:nvPr/>
+        </p:nvPicPr>
+        <p:blipFill>
+          <a:blip r:embed="rId3"/>
+          <a:stretch>
+            <a:fillRect/>
+          </a:stretch>
+        </p:blipFill>
+        <p:spPr>
+          <a:xfrm>
+            <a:off x="531628" y="2115581"/>
+            <a:ext cx="4460947" cy="1421859"/>
           </a:xfrm>
           <a:prstGeom prst="rect">
             <a:avLst/>
@@ -4011,7 +4055,7 @@
     </p:spTree>
     <p:extLst>
       <p:ext uri="{BB962C8B-B14F-4D97-AF65-F5344CB8AC3E}">
-        <p14:creationId xmlns:p14="http://schemas.microsoft.com/office/powerpoint/2010/main" val="2791649026"/>
+        <p14:creationId xmlns:p14="http://schemas.microsoft.com/office/powerpoint/2010/main" val="3217927550"/>
       </p:ext>
     </p:extLst>
   </p:cSld>
@@ -4063,7 +4107,7 @@
           <a:p>
             <a:r>
               <a:rPr lang="en-US" dirty="0"/>
-              <a:t>ex5</a:t>
+              <a:t>ex1</a:t>
             </a:r>
           </a:p>
         </p:txBody>
@@ -4073,7 +4117,7 @@
           <p:cNvPr id="4" name="Picture 3" descr="A screenshot of a cell phone&#13;&#10;&#13;&#10;Description automatically generated">
             <a:extLst>
               <a:ext uri="{FF2B5EF4-FFF2-40B4-BE49-F238E27FC236}">
-                <a16:creationId xmlns:a16="http://schemas.microsoft.com/office/drawing/2014/main" id="{DA1C30F3-2B4E-114B-9CC0-DDBAD0DED07C}"/>
+                <a16:creationId xmlns:a16="http://schemas.microsoft.com/office/drawing/2014/main" id="{35254A58-5B64-EE4E-92D7-3EF27CA5F163}"/>
               </a:ext>
             </a:extLst>
           </p:cNvPr>
@@ -4090,8 +4134,8 @@
         </p:blipFill>
         <p:spPr>
           <a:xfrm>
-            <a:off x="2251095" y="0"/>
-            <a:ext cx="7689809" cy="6858000"/>
+            <a:off x="2273300" y="266700"/>
+            <a:ext cx="9080500" cy="6324600"/>
           </a:xfrm>
           <a:prstGeom prst="rect">
             <a:avLst/>
@@ -4101,7 +4145,7 @@
     </p:spTree>
     <p:extLst>
       <p:ext uri="{BB962C8B-B14F-4D97-AF65-F5344CB8AC3E}">
-        <p14:creationId xmlns:p14="http://schemas.microsoft.com/office/powerpoint/2010/main" val="2770067809"/>
+        <p14:creationId xmlns:p14="http://schemas.microsoft.com/office/powerpoint/2010/main" val="568850251"/>
       </p:ext>
     </p:extLst>
   </p:cSld>
@@ -4153,17 +4197,25 @@
           <a:p>
             <a:r>
               <a:rPr lang="en-US" dirty="0"/>
-              <a:t>ex5</a:t>
+              <a:t>ex2 : fire up w/o </a:t>
+            </a:r>
+            <a:r>
+              <a:rPr lang="en-US" dirty="0" err="1"/>
+              <a:t>init</a:t>
+            </a:r>
+            <a:r>
+              <a:rPr lang="en-US" dirty="0"/>
+              <a:t> process</a:t>
             </a:r>
           </a:p>
         </p:txBody>
       </p:sp>
       <p:pic>
         <p:nvPicPr>
-          <p:cNvPr id="6" name="Picture 5" descr="A screenshot of a social media post&#13;&#10;&#13;&#10;Description automatically generated">
-            <a:extLst>
-              <a:ext uri="{FF2B5EF4-FFF2-40B4-BE49-F238E27FC236}">
-                <a16:creationId xmlns:a16="http://schemas.microsoft.com/office/drawing/2014/main" id="{5A73ABCD-F77B-7447-972A-E38B8F42EE2F}"/>
+          <p:cNvPr id="6" name="Picture 5">
+            <a:extLst>
+              <a:ext uri="{FF2B5EF4-FFF2-40B4-BE49-F238E27FC236}">
+                <a16:creationId xmlns:a16="http://schemas.microsoft.com/office/drawing/2014/main" id="{44B7DAC9-0815-5640-B32E-09351E976005}"/>
               </a:ext>
             </a:extLst>
           </p:cNvPr>
@@ -4180,8 +4232,8 @@
         </p:blipFill>
         <p:spPr>
           <a:xfrm>
-            <a:off x="1788841" y="0"/>
-            <a:ext cx="8614317" cy="6858000"/>
+            <a:off x="3962400" y="1962150"/>
+            <a:ext cx="4267200" cy="2933700"/>
           </a:xfrm>
           <a:prstGeom prst="rect">
             <a:avLst/>
@@ -4191,7 +4243,7 @@
     </p:spTree>
     <p:extLst>
       <p:ext uri="{BB962C8B-B14F-4D97-AF65-F5344CB8AC3E}">
-        <p14:creationId xmlns:p14="http://schemas.microsoft.com/office/powerpoint/2010/main" val="394710865"/>
+        <p14:creationId xmlns:p14="http://schemas.microsoft.com/office/powerpoint/2010/main" val="4018207645"/>
       </p:ext>
     </p:extLst>
   </p:cSld>
@@ -4243,17 +4295,17 @@
           <a:p>
             <a:r>
               <a:rPr lang="en-US" dirty="0"/>
-              <a:t>ex6</a:t>
+              <a:t>ex3</a:t>
             </a:r>
           </a:p>
         </p:txBody>
       </p:sp>
       <p:pic>
         <p:nvPicPr>
-          <p:cNvPr id="4" name="Picture 3" descr="A screenshot of a cell phone&#13;&#10;&#13;&#10;Description automatically generated">
-            <a:extLst>
-              <a:ext uri="{FF2B5EF4-FFF2-40B4-BE49-F238E27FC236}">
-                <a16:creationId xmlns:a16="http://schemas.microsoft.com/office/drawing/2014/main" id="{8D2C7430-7757-6D41-9145-BF0CB7A347F1}"/>
+          <p:cNvPr id="9" name="Picture 8" descr="A screen shot of a social media post&#13;&#10;&#13;&#10;Description automatically generated">
+            <a:extLst>
+              <a:ext uri="{FF2B5EF4-FFF2-40B4-BE49-F238E27FC236}">
+                <a16:creationId xmlns:a16="http://schemas.microsoft.com/office/drawing/2014/main" id="{3DFB3234-FA07-F24F-873A-3940D015EFA9}"/>
               </a:ext>
             </a:extLst>
           </p:cNvPr>
@@ -4270,8 +4322,38 @@
         </p:blipFill>
         <p:spPr>
           <a:xfrm>
-            <a:off x="1926167" y="876300"/>
-            <a:ext cx="5969000" cy="5981700"/>
+            <a:off x="669753" y="1943100"/>
+            <a:ext cx="3378200" cy="2971800"/>
+          </a:xfrm>
+          <a:prstGeom prst="rect">
+            <a:avLst/>
+          </a:prstGeom>
+        </p:spPr>
+      </p:pic>
+      <p:pic>
+        <p:nvPicPr>
+          <p:cNvPr id="11" name="Picture 10" descr="A close up of text on a white background&#13;&#10;&#13;&#10;Description automatically generated">
+            <a:extLst>
+              <a:ext uri="{FF2B5EF4-FFF2-40B4-BE49-F238E27FC236}">
+                <a16:creationId xmlns:a16="http://schemas.microsoft.com/office/drawing/2014/main" id="{2A8CEFC6-E919-4C41-AE77-455EDE31D855}"/>
+              </a:ext>
+            </a:extLst>
+          </p:cNvPr>
+          <p:cNvPicPr>
+            <a:picLocks noChangeAspect="1"/>
+          </p:cNvPicPr>
+          <p:nvPr/>
+        </p:nvPicPr>
+        <p:blipFill>
+          <a:blip r:embed="rId3"/>
+          <a:stretch>
+            <a:fillRect/>
+          </a:stretch>
+        </p:blipFill>
+        <p:spPr>
+          <a:xfrm>
+            <a:off x="5585932" y="1787747"/>
+            <a:ext cx="5613400" cy="3835400"/>
           </a:xfrm>
           <a:prstGeom prst="rect">
             <a:avLst/>
@@ -4281,7 +4363,7 @@
     </p:spTree>
     <p:extLst>
       <p:ext uri="{BB962C8B-B14F-4D97-AF65-F5344CB8AC3E}">
-        <p14:creationId xmlns:p14="http://schemas.microsoft.com/office/powerpoint/2010/main" val="3516664128"/>
+        <p14:creationId xmlns:p14="http://schemas.microsoft.com/office/powerpoint/2010/main" val="1675435367"/>
       </p:ext>
     </p:extLst>
   </p:cSld>
@@ -4333,17 +4415,17 @@
           <a:p>
             <a:r>
               <a:rPr lang="en-US" dirty="0"/>
-              <a:t>ex6</a:t>
+              <a:t>ex4</a:t>
             </a:r>
           </a:p>
         </p:txBody>
       </p:sp>
       <p:pic>
         <p:nvPicPr>
-          <p:cNvPr id="4" name="Picture 3" descr="A screenshot of a cell phone&#13;&#10;&#13;&#10;Description automatically generated">
-            <a:extLst>
-              <a:ext uri="{FF2B5EF4-FFF2-40B4-BE49-F238E27FC236}">
-                <a16:creationId xmlns:a16="http://schemas.microsoft.com/office/drawing/2014/main" id="{8D2C7430-7757-6D41-9145-BF0CB7A347F1}"/>
+          <p:cNvPr id="7" name="Picture 6">
+            <a:extLst>
+              <a:ext uri="{FF2B5EF4-FFF2-40B4-BE49-F238E27FC236}">
+                <a16:creationId xmlns:a16="http://schemas.microsoft.com/office/drawing/2014/main" id="{23A84809-B482-324D-BDFC-58453F74C738}"/>
               </a:ext>
             </a:extLst>
           </p:cNvPr>
@@ -4360,38 +4442,8 @@
         </p:blipFill>
         <p:spPr>
           <a:xfrm>
-            <a:off x="262461" y="2615609"/>
-            <a:ext cx="3045065" cy="3051544"/>
-          </a:xfrm>
-          <a:prstGeom prst="rect">
-            <a:avLst/>
-          </a:prstGeom>
-        </p:spPr>
-      </p:pic>
-      <p:pic>
-        <p:nvPicPr>
-          <p:cNvPr id="7" name="Picture 6" descr="A screenshot of text&#13;&#10;&#13;&#10;Description automatically generated">
-            <a:extLst>
-              <a:ext uri="{FF2B5EF4-FFF2-40B4-BE49-F238E27FC236}">
-                <a16:creationId xmlns:a16="http://schemas.microsoft.com/office/drawing/2014/main" id="{D7ED8E84-6D27-5547-991E-37D511D166F6}"/>
-              </a:ext>
-            </a:extLst>
-          </p:cNvPr>
-          <p:cNvPicPr>
-            <a:picLocks noChangeAspect="1"/>
-          </p:cNvPicPr>
-          <p:nvPr/>
-        </p:nvPicPr>
-        <p:blipFill>
-          <a:blip r:embed="rId3"/>
-          <a:stretch>
-            <a:fillRect/>
-          </a:stretch>
-        </p:blipFill>
-        <p:spPr>
-          <a:xfrm>
-            <a:off x="3063063" y="365126"/>
-            <a:ext cx="8866476" cy="6127748"/>
+            <a:off x="3948420" y="1446741"/>
+            <a:ext cx="4826000" cy="5130800"/>
           </a:xfrm>
           <a:prstGeom prst="rect">
             <a:avLst/>
@@ -4401,7 +4453,7 @@
     </p:spTree>
     <p:extLst>
       <p:ext uri="{BB962C8B-B14F-4D97-AF65-F5344CB8AC3E}">
-        <p14:creationId xmlns:p14="http://schemas.microsoft.com/office/powerpoint/2010/main" val="2877731795"/>
+        <p14:creationId xmlns:p14="http://schemas.microsoft.com/office/powerpoint/2010/main" val="562026909"/>
       </p:ext>
     </p:extLst>
   </p:cSld>
@@ -4453,17 +4505,17 @@
           <a:p>
             <a:r>
               <a:rPr lang="en-US" dirty="0"/>
-              <a:t>ex7</a:t>
+              <a:t>ex5</a:t>
             </a:r>
           </a:p>
         </p:txBody>
       </p:sp>
       <p:pic>
         <p:nvPicPr>
-          <p:cNvPr id="5" name="Picture 4" descr="A black screen with text&#13;&#10;&#13;&#10;Description automatically generated">
-            <a:extLst>
-              <a:ext uri="{FF2B5EF4-FFF2-40B4-BE49-F238E27FC236}">
-                <a16:creationId xmlns:a16="http://schemas.microsoft.com/office/drawing/2014/main" id="{227105AF-E497-0945-938E-5F6CB55A4139}"/>
+          <p:cNvPr id="4" name="Picture 3" descr="A close up of text on a white background&#13;&#10;&#13;&#10;Description automatically generated">
+            <a:extLst>
+              <a:ext uri="{FF2B5EF4-FFF2-40B4-BE49-F238E27FC236}">
+                <a16:creationId xmlns:a16="http://schemas.microsoft.com/office/drawing/2014/main" id="{44BFE703-63BC-AE45-A04C-66E1274378B9}"/>
               </a:ext>
             </a:extLst>
           </p:cNvPr>
@@ -4480,8 +4532,8 @@
         </p:blipFill>
         <p:spPr>
           <a:xfrm>
-            <a:off x="533991" y="1512924"/>
-            <a:ext cx="4064000" cy="4432300"/>
+            <a:off x="3219216" y="0"/>
+            <a:ext cx="5753567" cy="6858000"/>
           </a:xfrm>
           <a:prstGeom prst="rect">
             <a:avLst/>
@@ -4491,7 +4543,7 @@
     </p:spTree>
     <p:extLst>
       <p:ext uri="{BB962C8B-B14F-4D97-AF65-F5344CB8AC3E}">
-        <p14:creationId xmlns:p14="http://schemas.microsoft.com/office/powerpoint/2010/main" val="1585512744"/>
+        <p14:creationId xmlns:p14="http://schemas.microsoft.com/office/powerpoint/2010/main" val="785532104"/>
       </p:ext>
     </p:extLst>
   </p:cSld>
@@ -4534,52 +4586,26 @@
             <p:ph type="title"/>
           </p:nvPr>
         </p:nvSpPr>
-        <p:spPr>
-          <a:xfrm>
-            <a:off x="838200" y="790425"/>
-            <a:ext cx="1777409" cy="2016567"/>
-          </a:xfrm>
-        </p:spPr>
+        <p:spPr/>
         <p:txBody>
           <a:bodyPr>
-            <a:normAutofit/>
+            <a:normAutofit fontScale="90000"/>
           </a:bodyPr>
           <a:lstStyle/>
           <a:p>
             <a:r>
-              <a:rPr lang="en-US" sz="2400" dirty="0"/>
-              <a:t>ex7</a:t>
-            </a:r>
-            <a:br>
-              <a:rPr lang="en-US" sz="2400" dirty="0"/>
-            </a:br>
-            <a:r>
-              <a:rPr lang="en-US" sz="2400" dirty="0"/>
-              <a:t>do the</a:t>
-            </a:r>
-            <a:br>
-              <a:rPr lang="en-US" sz="2400" dirty="0"/>
-            </a:br>
-            <a:r>
-              <a:rPr lang="en-US" sz="2400" dirty="0"/>
-              <a:t>right depth</a:t>
-            </a:r>
-            <a:br>
-              <a:rPr lang="en-US" sz="2400" dirty="0"/>
-            </a:br>
-            <a:r>
-              <a:rPr lang="en-US" sz="2400" dirty="0"/>
-              <a:t>setting!</a:t>
+              <a:rPr lang="en-US" dirty="0"/>
+              <a:t>ex5</a:t>
             </a:r>
           </a:p>
         </p:txBody>
       </p:sp>
       <p:pic>
         <p:nvPicPr>
-          <p:cNvPr id="5" name="Picture 4" descr="A black screen with text&#13;&#10;&#13;&#10;Description automatically generated">
-            <a:extLst>
-              <a:ext uri="{FF2B5EF4-FFF2-40B4-BE49-F238E27FC236}">
-                <a16:creationId xmlns:a16="http://schemas.microsoft.com/office/drawing/2014/main" id="{227105AF-E497-0945-938E-5F6CB55A4139}"/>
+          <p:cNvPr id="7" name="Picture 6" descr="A screenshot of a cell phone&#13;&#10;&#13;&#10;Description automatically generated">
+            <a:extLst>
+              <a:ext uri="{FF2B5EF4-FFF2-40B4-BE49-F238E27FC236}">
+                <a16:creationId xmlns:a16="http://schemas.microsoft.com/office/drawing/2014/main" id="{DB06C13A-EF04-3D45-894C-CBA9E03CCD25}"/>
               </a:ext>
             </a:extLst>
           </p:cNvPr>
@@ -4596,38 +4622,8 @@
         </p:blipFill>
         <p:spPr>
           <a:xfrm>
-            <a:off x="533991" y="3429000"/>
-            <a:ext cx="2307139" cy="2516224"/>
-          </a:xfrm>
-          <a:prstGeom prst="rect">
-            <a:avLst/>
-          </a:prstGeom>
-        </p:spPr>
-      </p:pic>
-      <p:pic>
-        <p:nvPicPr>
-          <p:cNvPr id="7" name="Picture 6" descr="A screenshot of text&#13;&#10;&#13;&#10;Description automatically generated">
-            <a:extLst>
-              <a:ext uri="{FF2B5EF4-FFF2-40B4-BE49-F238E27FC236}">
-                <a16:creationId xmlns:a16="http://schemas.microsoft.com/office/drawing/2014/main" id="{19E47E16-9FA8-054E-975C-0BB19FAE5835}"/>
-              </a:ext>
-            </a:extLst>
-          </p:cNvPr>
-          <p:cNvPicPr>
-            <a:picLocks noChangeAspect="1"/>
-          </p:cNvPicPr>
-          <p:nvPr/>
-        </p:nvPicPr>
-        <p:blipFill>
-          <a:blip r:embed="rId3"/>
-          <a:stretch>
-            <a:fillRect/>
-          </a:stretch>
-        </p:blipFill>
-        <p:spPr>
-          <a:xfrm>
-            <a:off x="2789127" y="196850"/>
-            <a:ext cx="9080500" cy="6464300"/>
+            <a:off x="2565400" y="1238250"/>
+            <a:ext cx="7061200" cy="4381500"/>
           </a:xfrm>
           <a:prstGeom prst="rect">
             <a:avLst/>
@@ -4637,7 +4633,7 @@
     </p:spTree>
     <p:extLst>
       <p:ext uri="{BB962C8B-B14F-4D97-AF65-F5344CB8AC3E}">
-        <p14:creationId xmlns:p14="http://schemas.microsoft.com/office/powerpoint/2010/main" val="1273980639"/>
+        <p14:creationId xmlns:p14="http://schemas.microsoft.com/office/powerpoint/2010/main" val="1975949337"/>
       </p:ext>
     </p:extLst>
   </p:cSld>
@@ -4680,52 +4676,26 @@
             <p:ph type="title"/>
           </p:nvPr>
         </p:nvSpPr>
-        <p:spPr>
-          <a:xfrm>
-            <a:off x="838200" y="790425"/>
-            <a:ext cx="1777409" cy="2016567"/>
-          </a:xfrm>
-        </p:spPr>
+        <p:spPr/>
         <p:txBody>
           <a:bodyPr>
-            <a:normAutofit/>
+            <a:normAutofit fontScale="90000"/>
           </a:bodyPr>
           <a:lstStyle/>
           <a:p>
             <a:r>
-              <a:rPr lang="en-US" sz="2400" dirty="0"/>
-              <a:t>ex8</a:t>
-            </a:r>
-            <a:br>
-              <a:rPr lang="en-US" sz="2400" dirty="0"/>
-            </a:br>
-            <a:r>
-              <a:rPr lang="en-US" sz="2400" dirty="0"/>
-              <a:t>do the</a:t>
-            </a:r>
-            <a:br>
-              <a:rPr lang="en-US" sz="2400" dirty="0"/>
-            </a:br>
-            <a:r>
-              <a:rPr lang="en-US" sz="2400" dirty="0"/>
-              <a:t>right depth</a:t>
-            </a:r>
-            <a:br>
-              <a:rPr lang="en-US" sz="2400" dirty="0"/>
-            </a:br>
-            <a:r>
-              <a:rPr lang="en-US" sz="2400" dirty="0"/>
-              <a:t>setting!</a:t>
+              <a:rPr lang="en-US" dirty="0"/>
+              <a:t>ex5</a:t>
             </a:r>
           </a:p>
         </p:txBody>
       </p:sp>
       <p:pic>
         <p:nvPicPr>
-          <p:cNvPr id="4" name="Picture 3">
-            <a:extLst>
-              <a:ext uri="{FF2B5EF4-FFF2-40B4-BE49-F238E27FC236}">
-                <a16:creationId xmlns:a16="http://schemas.microsoft.com/office/drawing/2014/main" id="{8A614C73-BAC7-164C-945A-1EC07608B90E}"/>
+          <p:cNvPr id="4" name="Picture 3" descr="A screenshot of a social media post&#13;&#10;&#13;&#10;Description automatically generated">
+            <a:extLst>
+              <a:ext uri="{FF2B5EF4-FFF2-40B4-BE49-F238E27FC236}">
+                <a16:creationId xmlns:a16="http://schemas.microsoft.com/office/drawing/2014/main" id="{56F5FABF-D9B0-EF4E-BABB-511DC7AA7CEE}"/>
               </a:ext>
             </a:extLst>
           </p:cNvPr>
@@ -4742,8 +4712,8 @@
         </p:blipFill>
         <p:spPr>
           <a:xfrm>
-            <a:off x="2954522" y="177800"/>
-            <a:ext cx="8877300" cy="6502400"/>
+            <a:off x="1848344" y="0"/>
+            <a:ext cx="8495312" cy="6858000"/>
           </a:xfrm>
           <a:prstGeom prst="rect">
             <a:avLst/>
@@ -4753,7 +4723,7 @@
     </p:spTree>
     <p:extLst>
       <p:ext uri="{BB962C8B-B14F-4D97-AF65-F5344CB8AC3E}">
-        <p14:creationId xmlns:p14="http://schemas.microsoft.com/office/powerpoint/2010/main" val="1673175735"/>
+        <p14:creationId xmlns:p14="http://schemas.microsoft.com/office/powerpoint/2010/main" val="2791649026"/>
       </p:ext>
     </p:extLst>
   </p:cSld>
@@ -4796,52 +4766,26 @@
             <p:ph type="title"/>
           </p:nvPr>
         </p:nvSpPr>
-        <p:spPr>
-          <a:xfrm>
-            <a:off x="838200" y="790425"/>
-            <a:ext cx="1777409" cy="2016567"/>
-          </a:xfrm>
-        </p:spPr>
+        <p:spPr/>
         <p:txBody>
           <a:bodyPr>
-            <a:normAutofit/>
+            <a:normAutofit fontScale="90000"/>
           </a:bodyPr>
           <a:lstStyle/>
           <a:p>
             <a:r>
-              <a:rPr lang="en-US" sz="2400" dirty="0"/>
-              <a:t>ex8</a:t>
-            </a:r>
-            <a:br>
-              <a:rPr lang="en-US" sz="2400" dirty="0"/>
-            </a:br>
-            <a:r>
-              <a:rPr lang="en-US" sz="2400" dirty="0"/>
-              <a:t>do the</a:t>
-            </a:r>
-            <a:br>
-              <a:rPr lang="en-US" sz="2400" dirty="0"/>
-            </a:br>
-            <a:r>
-              <a:rPr lang="en-US" sz="2400" dirty="0"/>
-              <a:t>right depth</a:t>
-            </a:r>
-            <a:br>
-              <a:rPr lang="en-US" sz="2400" dirty="0"/>
-            </a:br>
-            <a:r>
-              <a:rPr lang="en-US" sz="2400" dirty="0"/>
-              <a:t>setting!</a:t>
+              <a:rPr lang="en-US" dirty="0"/>
+              <a:t>ex5</a:t>
             </a:r>
           </a:p>
         </p:txBody>
       </p:sp>
       <p:pic>
         <p:nvPicPr>
-          <p:cNvPr id="7" name="Picture 6" descr="A close up of a logo&#13;&#10;&#13;&#10;Description automatically generated">
-            <a:extLst>
-              <a:ext uri="{FF2B5EF4-FFF2-40B4-BE49-F238E27FC236}">
-                <a16:creationId xmlns:a16="http://schemas.microsoft.com/office/drawing/2014/main" id="{657D67FE-EFF9-9D4F-B0C4-21C8167A1AD7}"/>
+          <p:cNvPr id="4" name="Picture 3" descr="A screenshot of a cell phone&#13;&#10;&#13;&#10;Description automatically generated">
+            <a:extLst>
+              <a:ext uri="{FF2B5EF4-FFF2-40B4-BE49-F238E27FC236}">
+                <a16:creationId xmlns:a16="http://schemas.microsoft.com/office/drawing/2014/main" id="{DA1C30F3-2B4E-114B-9CC0-DDBAD0DED07C}"/>
               </a:ext>
             </a:extLst>
           </p:cNvPr>
@@ -4858,8 +4802,8 @@
         </p:blipFill>
         <p:spPr>
           <a:xfrm>
-            <a:off x="3128188" y="2051050"/>
-            <a:ext cx="8572500" cy="2755900"/>
+            <a:off x="2251095" y="0"/>
+            <a:ext cx="7689809" cy="6858000"/>
           </a:xfrm>
           <a:prstGeom prst="rect">
             <a:avLst/>
@@ -4869,7 +4813,7 @@
     </p:spTree>
     <p:extLst>
       <p:ext uri="{BB962C8B-B14F-4D97-AF65-F5344CB8AC3E}">
-        <p14:creationId xmlns:p14="http://schemas.microsoft.com/office/powerpoint/2010/main" val="3068760508"/>
+        <p14:creationId xmlns:p14="http://schemas.microsoft.com/office/powerpoint/2010/main" val="2770067809"/>
       </p:ext>
     </p:extLst>
   </p:cSld>
@@ -4912,31 +4856,26 @@
             <p:ph type="title"/>
           </p:nvPr>
         </p:nvSpPr>
-        <p:spPr>
-          <a:xfrm>
-            <a:off x="391633" y="280064"/>
-            <a:ext cx="1288312" cy="1251026"/>
-          </a:xfrm>
-        </p:spPr>
+        <p:spPr/>
         <p:txBody>
           <a:bodyPr>
-            <a:normAutofit/>
+            <a:normAutofit fontScale="90000"/>
           </a:bodyPr>
           <a:lstStyle/>
           <a:p>
             <a:r>
-              <a:rPr lang="en-US" sz="2400" dirty="0"/>
-              <a:t>ex9</a:t>
+              <a:rPr lang="en-US" dirty="0"/>
+              <a:t>ex5</a:t>
             </a:r>
           </a:p>
         </p:txBody>
       </p:sp>
       <p:pic>
         <p:nvPicPr>
-          <p:cNvPr id="5" name="Picture 4" descr="A close up of text on a white background&#13;&#10;&#13;&#10;Description automatically generated">
-            <a:extLst>
-              <a:ext uri="{FF2B5EF4-FFF2-40B4-BE49-F238E27FC236}">
-                <a16:creationId xmlns:a16="http://schemas.microsoft.com/office/drawing/2014/main" id="{15587E72-B8FE-0841-97F6-986D0E46222B}"/>
+          <p:cNvPr id="6" name="Picture 5" descr="A screenshot of a social media post&#13;&#10;&#13;&#10;Description automatically generated">
+            <a:extLst>
+              <a:ext uri="{FF2B5EF4-FFF2-40B4-BE49-F238E27FC236}">
+                <a16:creationId xmlns:a16="http://schemas.microsoft.com/office/drawing/2014/main" id="{5A73ABCD-F77B-7447-972A-E38B8F42EE2F}"/>
               </a:ext>
             </a:extLst>
           </p:cNvPr>
@@ -4953,8 +4892,8 @@
         </p:blipFill>
         <p:spPr>
           <a:xfrm>
-            <a:off x="3906951" y="0"/>
-            <a:ext cx="4378098" cy="6858000"/>
+            <a:off x="1788841" y="0"/>
+            <a:ext cx="8614317" cy="6858000"/>
           </a:xfrm>
           <a:prstGeom prst="rect">
             <a:avLst/>
@@ -4964,7 +4903,7 @@
     </p:spTree>
     <p:extLst>
       <p:ext uri="{BB962C8B-B14F-4D97-AF65-F5344CB8AC3E}">
-        <p14:creationId xmlns:p14="http://schemas.microsoft.com/office/powerpoint/2010/main" val="3264123750"/>
+        <p14:creationId xmlns:p14="http://schemas.microsoft.com/office/powerpoint/2010/main" val="394710865"/>
       </p:ext>
     </p:extLst>
   </p:cSld>
@@ -4996,7 +4935,7 @@
           <p:cNvPr id="2" name="Title 1">
             <a:extLst>
               <a:ext uri="{FF2B5EF4-FFF2-40B4-BE49-F238E27FC236}">
-                <a16:creationId xmlns:a16="http://schemas.microsoft.com/office/drawing/2014/main" id="{A23C8CCC-00E4-CD4F-90CC-2F1432F86AD7}"/>
+                <a16:creationId xmlns:a16="http://schemas.microsoft.com/office/drawing/2014/main" id="{0979CC57-394A-044E-9B68-5F6C0FD37AC1}"/>
               </a:ext>
             </a:extLst>
           </p:cNvPr>
@@ -5016,45 +4955,135 @@
           <a:p>
             <a:r>
               <a:rPr lang="en-US" dirty="0"/>
-              <a:t>ex1</a:t>
-            </a:r>
-          </a:p>
-        </p:txBody>
-      </p:sp>
-      <p:pic>
-        <p:nvPicPr>
-          <p:cNvPr id="9" name="Picture 8">
-            <a:extLst>
-              <a:ext uri="{FF2B5EF4-FFF2-40B4-BE49-F238E27FC236}">
-                <a16:creationId xmlns:a16="http://schemas.microsoft.com/office/drawing/2014/main" id="{0A5CF66F-A2E3-944D-A0A0-3E4B24F59E8F}"/>
-              </a:ext>
-            </a:extLst>
-          </p:cNvPr>
-          <p:cNvPicPr>
-            <a:picLocks noChangeAspect="1"/>
-          </p:cNvPicPr>
-          <p:nvPr/>
-        </p:nvPicPr>
-        <p:blipFill>
-          <a:blip r:embed="rId2"/>
-          <a:stretch>
-            <a:fillRect/>
-          </a:stretch>
-        </p:blipFill>
-        <p:spPr>
-          <a:xfrm>
-            <a:off x="2228850" y="1498600"/>
-            <a:ext cx="7734300" cy="3860800"/>
-          </a:xfrm>
-          <a:prstGeom prst="rect">
-            <a:avLst/>
-          </a:prstGeom>
-        </p:spPr>
-      </p:pic>
+              <a:t>Overview</a:t>
+            </a:r>
+          </a:p>
+        </p:txBody>
+      </p:sp>
+      <p:sp>
+        <p:nvSpPr>
+          <p:cNvPr id="3" name="Content Placeholder 2">
+            <a:extLst>
+              <a:ext uri="{FF2B5EF4-FFF2-40B4-BE49-F238E27FC236}">
+                <a16:creationId xmlns:a16="http://schemas.microsoft.com/office/drawing/2014/main" id="{3F4557E5-10A1-7341-9A24-67AF381B1ABF}"/>
+              </a:ext>
+            </a:extLst>
+          </p:cNvPr>
+          <p:cNvSpPr>
+            <a:spLocks noGrp="1"/>
+          </p:cNvSpPr>
+          <p:nvPr>
+            <p:ph idx="1"/>
+          </p:nvPr>
+        </p:nvSpPr>
+        <p:spPr/>
+        <p:txBody>
+          <a:bodyPr>
+            <a:normAutofit fontScale="92500" lnSpcReduction="10000"/>
+          </a:bodyPr>
+          <a:lstStyle/>
+          <a:p>
+            <a:r>
+              <a:rPr lang="en-US" dirty="0"/>
+              <a:t>We encourage you to learn the basics of model-checking</a:t>
+            </a:r>
+          </a:p>
+          <a:p>
+            <a:r>
+              <a:rPr lang="en-US" dirty="0"/>
+              <a:t>Here is a very practical point of view</a:t>
+            </a:r>
+          </a:p>
+          <a:p>
+            <a:pPr lvl="1"/>
+            <a:r>
+              <a:rPr lang="en-US" dirty="0"/>
+              <a:t>Often we are stuck thinking</a:t>
+            </a:r>
+          </a:p>
+          <a:p>
+            <a:pPr lvl="1"/>
+            <a:r>
+              <a:rPr lang="en-US" dirty="0"/>
+              <a:t>Especially when modeling concurrent situations</a:t>
+            </a:r>
+          </a:p>
+          <a:p>
+            <a:pPr lvl="2"/>
+            <a:r>
+              <a:rPr lang="en-US" dirty="0"/>
+              <a:t>E.g. Developing a protocol for monkeys to cross a rope-bridge L-&gt;R or R-&gt;L</a:t>
+            </a:r>
+          </a:p>
+          <a:p>
+            <a:pPr lvl="3"/>
+            <a:r>
+              <a:rPr lang="en-US" dirty="0"/>
+              <a:t>Such that when one lead R monkey or lead L monkey claims the rope, then</a:t>
+            </a:r>
+          </a:p>
+          <a:p>
+            <a:pPr lvl="4"/>
+            <a:r>
+              <a:rPr lang="en-US" dirty="0"/>
+              <a:t>All followers can cross</a:t>
+            </a:r>
+          </a:p>
+          <a:p>
+            <a:pPr lvl="4"/>
+            <a:r>
+              <a:rPr lang="en-US" dirty="0"/>
+              <a:t>Till the rope is declared clear</a:t>
+            </a:r>
+          </a:p>
+          <a:p>
+            <a:pPr lvl="4"/>
+            <a:r>
+              <a:rPr lang="en-US" dirty="0"/>
+              <a:t>We never have two packs enter, and end up “hanging in the middle”</a:t>
+            </a:r>
+          </a:p>
+          <a:p>
+            <a:pPr lvl="5"/>
+            <a:r>
+              <a:rPr lang="en-US" dirty="0"/>
+              <a:t>These are upper-class monkeys; they can’t climb over each other and cross!</a:t>
+            </a:r>
+          </a:p>
+          <a:p>
+            <a:pPr lvl="3"/>
+            <a:r>
+              <a:rPr lang="en-US" dirty="0"/>
+              <a:t>The next “turn” may be to allow the opposite pack to go</a:t>
+            </a:r>
+          </a:p>
+          <a:p>
+            <a:pPr lvl="4"/>
+            <a:r>
+              <a:rPr lang="en-US" dirty="0"/>
+              <a:t>But often such “niceness” or ”priorities” are a second-level detail</a:t>
+            </a:r>
+          </a:p>
+          <a:p>
+            <a:pPr lvl="4"/>
+            <a:r>
+              <a:rPr lang="en-US" dirty="0"/>
+              <a:t>Because we want to verify the protocol in a very simple set of circumstances</a:t>
+            </a:r>
+          </a:p>
+          <a:p>
+            <a:pPr lvl="4"/>
+            <a:r>
+              <a:rPr lang="en-US" dirty="0"/>
+              <a:t>… and priority inversion is a nasty thing you should at least be aware (and afraid)</a:t>
+            </a:r>
+          </a:p>
+        </p:txBody>
+      </p:sp>
     </p:spTree>
     <p:extLst>
       <p:ext uri="{BB962C8B-B14F-4D97-AF65-F5344CB8AC3E}">
-        <p14:creationId xmlns:p14="http://schemas.microsoft.com/office/powerpoint/2010/main" val="2756532830"/>
+        <p14:creationId xmlns:p14="http://schemas.microsoft.com/office/powerpoint/2010/main" val="2879903795"/>
       </p:ext>
     </p:extLst>
   </p:cSld>
@@ -5097,31 +5126,26 @@
             <p:ph type="title"/>
           </p:nvPr>
         </p:nvSpPr>
-        <p:spPr>
-          <a:xfrm>
-            <a:off x="391633" y="280064"/>
-            <a:ext cx="1288312" cy="1251026"/>
-          </a:xfrm>
-        </p:spPr>
+        <p:spPr/>
         <p:txBody>
           <a:bodyPr>
-            <a:normAutofit/>
+            <a:normAutofit fontScale="90000"/>
           </a:bodyPr>
           <a:lstStyle/>
           <a:p>
             <a:r>
-              <a:rPr lang="en-US" sz="2400" dirty="0"/>
-              <a:t>ex10</a:t>
+              <a:rPr lang="en-US" dirty="0"/>
+              <a:t>ex6</a:t>
             </a:r>
           </a:p>
         </p:txBody>
       </p:sp>
       <p:pic>
         <p:nvPicPr>
-          <p:cNvPr id="4" name="Picture 3">
-            <a:extLst>
-              <a:ext uri="{FF2B5EF4-FFF2-40B4-BE49-F238E27FC236}">
-                <a16:creationId xmlns:a16="http://schemas.microsoft.com/office/drawing/2014/main" id="{1A19C67F-95FB-A24B-B15D-A5FA04B3BC1A}"/>
+          <p:cNvPr id="4" name="Picture 3" descr="A screenshot of a cell phone&#13;&#10;&#13;&#10;Description automatically generated">
+            <a:extLst>
+              <a:ext uri="{FF2B5EF4-FFF2-40B4-BE49-F238E27FC236}">
+                <a16:creationId xmlns:a16="http://schemas.microsoft.com/office/drawing/2014/main" id="{8D2C7430-7757-6D41-9145-BF0CB7A347F1}"/>
               </a:ext>
             </a:extLst>
           </p:cNvPr>
@@ -5138,8 +5162,8 @@
         </p:blipFill>
         <p:spPr>
           <a:xfrm>
-            <a:off x="1772746" y="0"/>
-            <a:ext cx="8646507" cy="6858000"/>
+            <a:off x="1926167" y="876300"/>
+            <a:ext cx="5969000" cy="5981700"/>
           </a:xfrm>
           <a:prstGeom prst="rect">
             <a:avLst/>
@@ -5149,7 +5173,7 @@
     </p:spTree>
     <p:extLst>
       <p:ext uri="{BB962C8B-B14F-4D97-AF65-F5344CB8AC3E}">
-        <p14:creationId xmlns:p14="http://schemas.microsoft.com/office/powerpoint/2010/main" val="92095650"/>
+        <p14:creationId xmlns:p14="http://schemas.microsoft.com/office/powerpoint/2010/main" val="3516664128"/>
       </p:ext>
     </p:extLst>
   </p:cSld>
@@ -5192,31 +5216,26 @@
             <p:ph type="title"/>
           </p:nvPr>
         </p:nvSpPr>
-        <p:spPr>
-          <a:xfrm>
-            <a:off x="391633" y="280064"/>
-            <a:ext cx="1288312" cy="1251026"/>
-          </a:xfrm>
-        </p:spPr>
+        <p:spPr/>
         <p:txBody>
           <a:bodyPr>
-            <a:normAutofit/>
+            <a:normAutofit fontScale="90000"/>
           </a:bodyPr>
           <a:lstStyle/>
           <a:p>
             <a:r>
-              <a:rPr lang="en-US" sz="2400" dirty="0"/>
-              <a:t>ex11</a:t>
+              <a:rPr lang="en-US" dirty="0"/>
+              <a:t>ex6</a:t>
             </a:r>
           </a:p>
         </p:txBody>
       </p:sp>
       <p:pic>
         <p:nvPicPr>
-          <p:cNvPr id="4" name="Picture 3" descr="A picture containing text&#13;&#10;&#13;&#10;Description automatically generated">
-            <a:extLst>
-              <a:ext uri="{FF2B5EF4-FFF2-40B4-BE49-F238E27FC236}">
-                <a16:creationId xmlns:a16="http://schemas.microsoft.com/office/drawing/2014/main" id="{399F9BE2-76E3-C441-B2A9-CF64299DD6E6}"/>
+          <p:cNvPr id="4" name="Picture 3" descr="A screenshot of a cell phone&#13;&#10;&#13;&#10;Description automatically generated">
+            <a:extLst>
+              <a:ext uri="{FF2B5EF4-FFF2-40B4-BE49-F238E27FC236}">
+                <a16:creationId xmlns:a16="http://schemas.microsoft.com/office/drawing/2014/main" id="{8D2C7430-7757-6D41-9145-BF0CB7A347F1}"/>
               </a:ext>
             </a:extLst>
           </p:cNvPr>
@@ -5233,8 +5252,38 @@
         </p:blipFill>
         <p:spPr>
           <a:xfrm>
-            <a:off x="1901598" y="0"/>
-            <a:ext cx="8388804" cy="6858000"/>
+            <a:off x="262461" y="2615609"/>
+            <a:ext cx="3045065" cy="3051544"/>
+          </a:xfrm>
+          <a:prstGeom prst="rect">
+            <a:avLst/>
+          </a:prstGeom>
+        </p:spPr>
+      </p:pic>
+      <p:pic>
+        <p:nvPicPr>
+          <p:cNvPr id="7" name="Picture 6" descr="A screenshot of text&#13;&#10;&#13;&#10;Description automatically generated">
+            <a:extLst>
+              <a:ext uri="{FF2B5EF4-FFF2-40B4-BE49-F238E27FC236}">
+                <a16:creationId xmlns:a16="http://schemas.microsoft.com/office/drawing/2014/main" id="{D7ED8E84-6D27-5547-991E-37D511D166F6}"/>
+              </a:ext>
+            </a:extLst>
+          </p:cNvPr>
+          <p:cNvPicPr>
+            <a:picLocks noChangeAspect="1"/>
+          </p:cNvPicPr>
+          <p:nvPr/>
+        </p:nvPicPr>
+        <p:blipFill>
+          <a:blip r:embed="rId3"/>
+          <a:stretch>
+            <a:fillRect/>
+          </a:stretch>
+        </p:blipFill>
+        <p:spPr>
+          <a:xfrm>
+            <a:off x="3063063" y="365126"/>
+            <a:ext cx="8866476" cy="6127748"/>
           </a:xfrm>
           <a:prstGeom prst="rect">
             <a:avLst/>
@@ -5244,7 +5293,7 @@
     </p:spTree>
     <p:extLst>
       <p:ext uri="{BB962C8B-B14F-4D97-AF65-F5344CB8AC3E}">
-        <p14:creationId xmlns:p14="http://schemas.microsoft.com/office/powerpoint/2010/main" val="1179532155"/>
+        <p14:creationId xmlns:p14="http://schemas.microsoft.com/office/powerpoint/2010/main" val="2877731795"/>
       </p:ext>
     </p:extLst>
   </p:cSld>
@@ -5287,31 +5336,26 @@
             <p:ph type="title"/>
           </p:nvPr>
         </p:nvSpPr>
-        <p:spPr>
-          <a:xfrm>
-            <a:off x="391633" y="280064"/>
-            <a:ext cx="1288312" cy="1251026"/>
-          </a:xfrm>
-        </p:spPr>
+        <p:spPr/>
         <p:txBody>
           <a:bodyPr>
-            <a:normAutofit/>
+            <a:normAutofit fontScale="90000"/>
           </a:bodyPr>
           <a:lstStyle/>
           <a:p>
             <a:r>
-              <a:rPr lang="en-US" sz="2400" dirty="0"/>
-              <a:t>ex12</a:t>
+              <a:rPr lang="en-US" dirty="0"/>
+              <a:t>ex7</a:t>
             </a:r>
           </a:p>
         </p:txBody>
       </p:sp>
       <p:pic>
         <p:nvPicPr>
-          <p:cNvPr id="4" name="Picture 3" descr="A picture containing text&#13;&#10;&#13;&#10;Description automatically generated">
-            <a:extLst>
-              <a:ext uri="{FF2B5EF4-FFF2-40B4-BE49-F238E27FC236}">
-                <a16:creationId xmlns:a16="http://schemas.microsoft.com/office/drawing/2014/main" id="{758B2133-380B-8743-A4EB-4336784E7C95}"/>
+          <p:cNvPr id="5" name="Picture 4" descr="A black screen with text&#13;&#10;&#13;&#10;Description automatically generated">
+            <a:extLst>
+              <a:ext uri="{FF2B5EF4-FFF2-40B4-BE49-F238E27FC236}">
+                <a16:creationId xmlns:a16="http://schemas.microsoft.com/office/drawing/2014/main" id="{227105AF-E497-0945-938E-5F6CB55A4139}"/>
               </a:ext>
             </a:extLst>
           </p:cNvPr>
@@ -5328,8 +5372,8 @@
         </p:blipFill>
         <p:spPr>
           <a:xfrm>
-            <a:off x="2237820" y="0"/>
-            <a:ext cx="9375032" cy="6858000"/>
+            <a:off x="533991" y="1512924"/>
+            <a:ext cx="4064000" cy="4432300"/>
           </a:xfrm>
           <a:prstGeom prst="rect">
             <a:avLst/>
@@ -5339,7 +5383,7 @@
     </p:spTree>
     <p:extLst>
       <p:ext uri="{BB962C8B-B14F-4D97-AF65-F5344CB8AC3E}">
-        <p14:creationId xmlns:p14="http://schemas.microsoft.com/office/powerpoint/2010/main" val="770784985"/>
+        <p14:creationId xmlns:p14="http://schemas.microsoft.com/office/powerpoint/2010/main" val="1585512744"/>
       </p:ext>
     </p:extLst>
   </p:cSld>
@@ -5384,8 +5428,8 @@
         </p:nvSpPr>
         <p:spPr>
           <a:xfrm>
-            <a:off x="944082" y="0"/>
-            <a:ext cx="2122967" cy="921490"/>
+            <a:off x="838200" y="790425"/>
+            <a:ext cx="1777409" cy="2016567"/>
           </a:xfrm>
         </p:spPr>
         <p:txBody>
@@ -5396,17 +5440,38 @@
           <a:p>
             <a:r>
               <a:rPr lang="en-US" sz="2400" dirty="0"/>
-              <a:t>ex12b</a:t>
+              <a:t>ex7</a:t>
+            </a:r>
+            <a:br>
+              <a:rPr lang="en-US" sz="2400" dirty="0"/>
+            </a:br>
+            <a:r>
+              <a:rPr lang="en-US" sz="2400" dirty="0"/>
+              <a:t>do the</a:t>
+            </a:r>
+            <a:br>
+              <a:rPr lang="en-US" sz="2400" dirty="0"/>
+            </a:br>
+            <a:r>
+              <a:rPr lang="en-US" sz="2400" dirty="0"/>
+              <a:t>right depth</a:t>
+            </a:r>
+            <a:br>
+              <a:rPr lang="en-US" sz="2400" dirty="0"/>
+            </a:br>
+            <a:r>
+              <a:rPr lang="en-US" sz="2400" dirty="0"/>
+              <a:t>setting!</a:t>
             </a:r>
           </a:p>
         </p:txBody>
       </p:sp>
       <p:pic>
         <p:nvPicPr>
-          <p:cNvPr id="5" name="Picture 4" descr="A screenshot of a cell phone&#13;&#10;&#13;&#10;Description automatically generated">
-            <a:extLst>
-              <a:ext uri="{FF2B5EF4-FFF2-40B4-BE49-F238E27FC236}">
-                <a16:creationId xmlns:a16="http://schemas.microsoft.com/office/drawing/2014/main" id="{62551C9B-9FC2-3740-BF08-D4F11CEB452F}"/>
+          <p:cNvPr id="5" name="Picture 4" descr="A black screen with text&#13;&#10;&#13;&#10;Description automatically generated">
+            <a:extLst>
+              <a:ext uri="{FF2B5EF4-FFF2-40B4-BE49-F238E27FC236}">
+                <a16:creationId xmlns:a16="http://schemas.microsoft.com/office/drawing/2014/main" id="{227105AF-E497-0945-938E-5F6CB55A4139}"/>
               </a:ext>
             </a:extLst>
           </p:cNvPr>
@@ -5423,8 +5488,38 @@
         </p:blipFill>
         <p:spPr>
           <a:xfrm>
-            <a:off x="0" y="791568"/>
-            <a:ext cx="12192000" cy="5427264"/>
+            <a:off x="533991" y="3429000"/>
+            <a:ext cx="2307139" cy="2516224"/>
+          </a:xfrm>
+          <a:prstGeom prst="rect">
+            <a:avLst/>
+          </a:prstGeom>
+        </p:spPr>
+      </p:pic>
+      <p:pic>
+        <p:nvPicPr>
+          <p:cNvPr id="7" name="Picture 6" descr="A screenshot of text&#13;&#10;&#13;&#10;Description automatically generated">
+            <a:extLst>
+              <a:ext uri="{FF2B5EF4-FFF2-40B4-BE49-F238E27FC236}">
+                <a16:creationId xmlns:a16="http://schemas.microsoft.com/office/drawing/2014/main" id="{19E47E16-9FA8-054E-975C-0BB19FAE5835}"/>
+              </a:ext>
+            </a:extLst>
+          </p:cNvPr>
+          <p:cNvPicPr>
+            <a:picLocks noChangeAspect="1"/>
+          </p:cNvPicPr>
+          <p:nvPr/>
+        </p:nvPicPr>
+        <p:blipFill>
+          <a:blip r:embed="rId3"/>
+          <a:stretch>
+            <a:fillRect/>
+          </a:stretch>
+        </p:blipFill>
+        <p:spPr>
+          <a:xfrm>
+            <a:off x="2789127" y="196850"/>
+            <a:ext cx="9080500" cy="6464300"/>
           </a:xfrm>
           <a:prstGeom prst="rect">
             <a:avLst/>
@@ -5434,7 +5529,7 @@
     </p:spTree>
     <p:extLst>
       <p:ext uri="{BB962C8B-B14F-4D97-AF65-F5344CB8AC3E}">
-        <p14:creationId xmlns:p14="http://schemas.microsoft.com/office/powerpoint/2010/main" val="1324965387"/>
+        <p14:creationId xmlns:p14="http://schemas.microsoft.com/office/powerpoint/2010/main" val="1273980639"/>
       </p:ext>
     </p:extLst>
   </p:cSld>
@@ -5479,8 +5574,8 @@
         </p:nvSpPr>
         <p:spPr>
           <a:xfrm>
-            <a:off x="391633" y="280064"/>
-            <a:ext cx="1288312" cy="1251026"/>
+            <a:off x="838200" y="790425"/>
+            <a:ext cx="1777409" cy="2016567"/>
           </a:xfrm>
         </p:spPr>
         <p:txBody>
@@ -5491,7 +5586,28 @@
           <a:p>
             <a:r>
               <a:rPr lang="en-US" sz="2400" dirty="0"/>
-              <a:t>ex13</a:t>
+              <a:t>ex8</a:t>
+            </a:r>
+            <a:br>
+              <a:rPr lang="en-US" sz="2400" dirty="0"/>
+            </a:br>
+            <a:r>
+              <a:rPr lang="en-US" sz="2400" dirty="0"/>
+              <a:t>do the</a:t>
+            </a:r>
+            <a:br>
+              <a:rPr lang="en-US" sz="2400" dirty="0"/>
+            </a:br>
+            <a:r>
+              <a:rPr lang="en-US" sz="2400" dirty="0"/>
+              <a:t>right depth</a:t>
+            </a:r>
+            <a:br>
+              <a:rPr lang="en-US" sz="2400" dirty="0"/>
+            </a:br>
+            <a:r>
+              <a:rPr lang="en-US" sz="2400" dirty="0"/>
+              <a:t>setting!</a:t>
             </a:r>
           </a:p>
         </p:txBody>
@@ -5501,7 +5617,7 @@
           <p:cNvPr id="4" name="Picture 3">
             <a:extLst>
               <a:ext uri="{FF2B5EF4-FFF2-40B4-BE49-F238E27FC236}">
-                <a16:creationId xmlns:a16="http://schemas.microsoft.com/office/drawing/2014/main" id="{446CA3BB-8694-BE45-9D14-9AF07A627E75}"/>
+                <a16:creationId xmlns:a16="http://schemas.microsoft.com/office/drawing/2014/main" id="{8A614C73-BAC7-164C-945A-1EC07608B90E}"/>
               </a:ext>
             </a:extLst>
           </p:cNvPr>
@@ -5518,8 +5634,8 @@
         </p:blipFill>
         <p:spPr>
           <a:xfrm>
-            <a:off x="1188927" y="355600"/>
-            <a:ext cx="10452100" cy="6146800"/>
+            <a:off x="2954522" y="177800"/>
+            <a:ext cx="8877300" cy="6502400"/>
           </a:xfrm>
           <a:prstGeom prst="rect">
             <a:avLst/>
@@ -5529,7 +5645,7 @@
     </p:spTree>
     <p:extLst>
       <p:ext uri="{BB962C8B-B14F-4D97-AF65-F5344CB8AC3E}">
-        <p14:creationId xmlns:p14="http://schemas.microsoft.com/office/powerpoint/2010/main" val="3428271646"/>
+        <p14:creationId xmlns:p14="http://schemas.microsoft.com/office/powerpoint/2010/main" val="1673175735"/>
       </p:ext>
     </p:extLst>
   </p:cSld>
@@ -5574,8 +5690,8 @@
         </p:nvSpPr>
         <p:spPr>
           <a:xfrm>
-            <a:off x="391633" y="280064"/>
-            <a:ext cx="1288312" cy="1251026"/>
+            <a:off x="838200" y="790425"/>
+            <a:ext cx="1777409" cy="2016567"/>
           </a:xfrm>
         </p:spPr>
         <p:txBody>
@@ -5586,17 +5702,38 @@
           <a:p>
             <a:r>
               <a:rPr lang="en-US" sz="2400" dirty="0"/>
-              <a:t>ex13</a:t>
+              <a:t>ex8</a:t>
+            </a:r>
+            <a:br>
+              <a:rPr lang="en-US" sz="2400" dirty="0"/>
+            </a:br>
+            <a:r>
+              <a:rPr lang="en-US" sz="2400" dirty="0"/>
+              <a:t>do the</a:t>
+            </a:r>
+            <a:br>
+              <a:rPr lang="en-US" sz="2400" dirty="0"/>
+            </a:br>
+            <a:r>
+              <a:rPr lang="en-US" sz="2400" dirty="0"/>
+              <a:t>right depth</a:t>
+            </a:r>
+            <a:br>
+              <a:rPr lang="en-US" sz="2400" dirty="0"/>
+            </a:br>
+            <a:r>
+              <a:rPr lang="en-US" sz="2400" dirty="0"/>
+              <a:t>setting!</a:t>
             </a:r>
           </a:p>
         </p:txBody>
       </p:sp>
       <p:pic>
         <p:nvPicPr>
-          <p:cNvPr id="4" name="Picture 3">
-            <a:extLst>
-              <a:ext uri="{FF2B5EF4-FFF2-40B4-BE49-F238E27FC236}">
-                <a16:creationId xmlns:a16="http://schemas.microsoft.com/office/drawing/2014/main" id="{446CA3BB-8694-BE45-9D14-9AF07A627E75}"/>
+          <p:cNvPr id="7" name="Picture 6" descr="A close up of a logo&#13;&#10;&#13;&#10;Description automatically generated">
+            <a:extLst>
+              <a:ext uri="{FF2B5EF4-FFF2-40B4-BE49-F238E27FC236}">
+                <a16:creationId xmlns:a16="http://schemas.microsoft.com/office/drawing/2014/main" id="{657D67FE-EFF9-9D4F-B0C4-21C8167A1AD7}"/>
               </a:ext>
             </a:extLst>
           </p:cNvPr>
@@ -5613,65 +5750,18 @@
         </p:blipFill>
         <p:spPr>
           <a:xfrm>
-            <a:off x="2145857" y="280064"/>
-            <a:ext cx="6446433" cy="3791098"/>
+            <a:off x="3128188" y="2051050"/>
+            <a:ext cx="8572500" cy="2755900"/>
           </a:xfrm>
           <a:prstGeom prst="rect">
             <a:avLst/>
           </a:prstGeom>
         </p:spPr>
       </p:pic>
-      <p:sp>
-        <p:nvSpPr>
-          <p:cNvPr id="3" name="TextBox 2">
-            <a:extLst>
-              <a:ext uri="{FF2B5EF4-FFF2-40B4-BE49-F238E27FC236}">
-                <a16:creationId xmlns:a16="http://schemas.microsoft.com/office/drawing/2014/main" id="{E42F4300-C10B-0941-BA1A-4C986EB0385B}"/>
-              </a:ext>
-            </a:extLst>
-          </p:cNvPr>
-          <p:cNvSpPr txBox="1"/>
-          <p:nvPr/>
-        </p:nvSpPr>
-        <p:spPr>
-          <a:xfrm>
-            <a:off x="2324100" y="4953000"/>
-            <a:ext cx="7882286" cy="646331"/>
-          </a:xfrm>
-          <a:prstGeom prst="rect">
-            <a:avLst/>
-          </a:prstGeom>
-          <a:noFill/>
-        </p:spPr>
-        <p:txBody>
-          <a:bodyPr wrap="none" rtlCol="0">
-            <a:spAutoFit/>
-          </a:bodyPr>
-          <a:lstStyle/>
-          <a:p>
-            <a:r>
-              <a:rPr lang="en-US" dirty="0">
-                <a:hlinkClick r:id="rId3"/>
-              </a:rPr>
-              <a:t>http://spinroot.com/spin/Man/Pan.html</a:t>
-            </a:r>
-            <a:r>
-              <a:rPr lang="en-US" dirty="0"/>
-              <a:t>    suggests using –DNOREDUCE</a:t>
-            </a:r>
-          </a:p>
-          <a:p>
-            <a:r>
-              <a:rPr lang="en-US" dirty="0"/>
-              <a:t>PO reductions not safe with remote references (must be stutter invariant)</a:t>
-            </a:r>
-          </a:p>
-        </p:txBody>
-      </p:sp>
     </p:spTree>
     <p:extLst>
       <p:ext uri="{BB962C8B-B14F-4D97-AF65-F5344CB8AC3E}">
-        <p14:creationId xmlns:p14="http://schemas.microsoft.com/office/powerpoint/2010/main" val="1003795563"/>
+        <p14:creationId xmlns:p14="http://schemas.microsoft.com/office/powerpoint/2010/main" val="3068760508"/>
       </p:ext>
     </p:extLst>
   </p:cSld>
@@ -5728,17 +5818,17 @@
           <a:p>
             <a:r>
               <a:rPr lang="en-US" sz="2400" dirty="0"/>
-              <a:t>ex13</a:t>
+              <a:t>ex9</a:t>
             </a:r>
           </a:p>
         </p:txBody>
       </p:sp>
       <p:pic>
         <p:nvPicPr>
-          <p:cNvPr id="4" name="Picture 3">
-            <a:extLst>
-              <a:ext uri="{FF2B5EF4-FFF2-40B4-BE49-F238E27FC236}">
-                <a16:creationId xmlns:a16="http://schemas.microsoft.com/office/drawing/2014/main" id="{446CA3BB-8694-BE45-9D14-9AF07A627E75}"/>
+          <p:cNvPr id="5" name="Picture 4" descr="A close up of text on a white background&#13;&#10;&#13;&#10;Description automatically generated">
+            <a:extLst>
+              <a:ext uri="{FF2B5EF4-FFF2-40B4-BE49-F238E27FC236}">
+                <a16:creationId xmlns:a16="http://schemas.microsoft.com/office/drawing/2014/main" id="{15587E72-B8FE-0841-97F6-986D0E46222B}"/>
               </a:ext>
             </a:extLst>
           </p:cNvPr>
@@ -5755,8 +5845,8 @@
         </p:blipFill>
         <p:spPr>
           <a:xfrm>
-            <a:off x="1188927" y="355600"/>
-            <a:ext cx="10452100" cy="6146800"/>
+            <a:off x="3906951" y="0"/>
+            <a:ext cx="4378098" cy="6858000"/>
           </a:xfrm>
           <a:prstGeom prst="rect">
             <a:avLst/>
@@ -5766,7 +5856,7 @@
     </p:spTree>
     <p:extLst>
       <p:ext uri="{BB962C8B-B14F-4D97-AF65-F5344CB8AC3E}">
-        <p14:creationId xmlns:p14="http://schemas.microsoft.com/office/powerpoint/2010/main" val="1972531278"/>
+        <p14:creationId xmlns:p14="http://schemas.microsoft.com/office/powerpoint/2010/main" val="3264123750"/>
       </p:ext>
     </p:extLst>
   </p:cSld>
@@ -5823,17 +5913,17 @@
           <a:p>
             <a:r>
               <a:rPr lang="en-US" sz="2400" dirty="0"/>
-              <a:t>ex14</a:t>
+              <a:t>ex10</a:t>
             </a:r>
           </a:p>
         </p:txBody>
       </p:sp>
       <p:pic>
         <p:nvPicPr>
-          <p:cNvPr id="4" name="Picture 3" descr="A screenshot of text&#13;&#10;&#13;&#10;Description automatically generated">
-            <a:extLst>
-              <a:ext uri="{FF2B5EF4-FFF2-40B4-BE49-F238E27FC236}">
-                <a16:creationId xmlns:a16="http://schemas.microsoft.com/office/drawing/2014/main" id="{47B84B53-D461-534F-B871-6346622C6B7E}"/>
+          <p:cNvPr id="4" name="Picture 3">
+            <a:extLst>
+              <a:ext uri="{FF2B5EF4-FFF2-40B4-BE49-F238E27FC236}">
+                <a16:creationId xmlns:a16="http://schemas.microsoft.com/office/drawing/2014/main" id="{1A19C67F-95FB-A24B-B15D-A5FA04B3BC1A}"/>
               </a:ext>
             </a:extLst>
           </p:cNvPr>
@@ -5850,8 +5940,8 @@
         </p:blipFill>
         <p:spPr>
           <a:xfrm>
-            <a:off x="4165059" y="0"/>
-            <a:ext cx="3861881" cy="6858000"/>
+            <a:off x="1772746" y="0"/>
+            <a:ext cx="8646507" cy="6858000"/>
           </a:xfrm>
           <a:prstGeom prst="rect">
             <a:avLst/>
@@ -5861,7 +5951,7 @@
     </p:spTree>
     <p:extLst>
       <p:ext uri="{BB962C8B-B14F-4D97-AF65-F5344CB8AC3E}">
-        <p14:creationId xmlns:p14="http://schemas.microsoft.com/office/powerpoint/2010/main" val="2123195274"/>
+        <p14:creationId xmlns:p14="http://schemas.microsoft.com/office/powerpoint/2010/main" val="92095650"/>
       </p:ext>
     </p:extLst>
   </p:cSld>
@@ -5904,24 +5994,59 @@
             <p:ph type="title"/>
           </p:nvPr>
         </p:nvSpPr>
-        <p:spPr/>
+        <p:spPr>
+          <a:xfrm>
+            <a:off x="391633" y="280064"/>
+            <a:ext cx="1288312" cy="1251026"/>
+          </a:xfrm>
+        </p:spPr>
         <p:txBody>
           <a:bodyPr>
-            <a:normAutofit fontScale="90000"/>
+            <a:normAutofit/>
           </a:bodyPr>
           <a:lstStyle/>
           <a:p>
             <a:r>
-              <a:rPr lang="en-US" dirty="0"/>
-              <a:t>Lecture 4 : LTL model checking (CEAAT)</a:t>
-            </a:r>
-          </a:p>
-        </p:txBody>
-      </p:sp>
+              <a:rPr lang="en-US" sz="2400" dirty="0"/>
+              <a:t>ex11</a:t>
+            </a:r>
+          </a:p>
+        </p:txBody>
+      </p:sp>
+      <p:pic>
+        <p:nvPicPr>
+          <p:cNvPr id="4" name="Picture 3" descr="A picture containing text&#13;&#10;&#13;&#10;Description automatically generated">
+            <a:extLst>
+              <a:ext uri="{FF2B5EF4-FFF2-40B4-BE49-F238E27FC236}">
+                <a16:creationId xmlns:a16="http://schemas.microsoft.com/office/drawing/2014/main" id="{399F9BE2-76E3-C441-B2A9-CF64299DD6E6}"/>
+              </a:ext>
+            </a:extLst>
+          </p:cNvPr>
+          <p:cNvPicPr>
+            <a:picLocks noChangeAspect="1"/>
+          </p:cNvPicPr>
+          <p:nvPr/>
+        </p:nvPicPr>
+        <p:blipFill>
+          <a:blip r:embed="rId2"/>
+          <a:stretch>
+            <a:fillRect/>
+          </a:stretch>
+        </p:blipFill>
+        <p:spPr>
+          <a:xfrm>
+            <a:off x="1901598" y="0"/>
+            <a:ext cx="8388804" cy="6858000"/>
+          </a:xfrm>
+          <a:prstGeom prst="rect">
+            <a:avLst/>
+          </a:prstGeom>
+        </p:spPr>
+      </p:pic>
     </p:spTree>
     <p:extLst>
       <p:ext uri="{BB962C8B-B14F-4D97-AF65-F5344CB8AC3E}">
-        <p14:creationId xmlns:p14="http://schemas.microsoft.com/office/powerpoint/2010/main" val="2102961320"/>
+        <p14:creationId xmlns:p14="http://schemas.microsoft.com/office/powerpoint/2010/main" val="1179532155"/>
       </p:ext>
     </p:extLst>
   </p:cSld>
@@ -5964,7 +6089,12 @@
             <p:ph type="title"/>
           </p:nvPr>
         </p:nvSpPr>
-        <p:spPr/>
+        <p:spPr>
+          <a:xfrm>
+            <a:off x="391633" y="280064"/>
+            <a:ext cx="1288312" cy="1251026"/>
+          </a:xfrm>
+        </p:spPr>
         <p:txBody>
           <a:bodyPr>
             <a:normAutofit/>
@@ -5972,33 +6102,18 @@
           <a:lstStyle/>
           <a:p>
             <a:r>
-              <a:rPr lang="en-US" sz="1600" dirty="0"/>
-              <a:t>Question: What is the theory behind this checking?</a:t>
-            </a:r>
-            <a:br>
-              <a:rPr lang="en-US" sz="1600" dirty="0"/>
-            </a:br>
-            <a:r>
-              <a:rPr lang="en-US" sz="1600" dirty="0"/>
-              <a:t>Answer: On-the-fly LTL Model Checking using </a:t>
-            </a:r>
-            <a:r>
-              <a:rPr lang="en-US" sz="1600" dirty="0" err="1"/>
-              <a:t>Buchi</a:t>
-            </a:r>
-            <a:r>
-              <a:rPr lang="en-US" sz="1600" dirty="0"/>
-              <a:t> Automata!</a:t>
+              <a:rPr lang="en-US" sz="2400" dirty="0"/>
+              <a:t>ex12</a:t>
             </a:r>
           </a:p>
         </p:txBody>
       </p:sp>
       <p:pic>
         <p:nvPicPr>
-          <p:cNvPr id="4" name="Picture 3" descr="A screenshot of a cell phone&#13;&#10;&#13;&#10;Description automatically generated">
-            <a:extLst>
-              <a:ext uri="{FF2B5EF4-FFF2-40B4-BE49-F238E27FC236}">
-                <a16:creationId xmlns:a16="http://schemas.microsoft.com/office/drawing/2014/main" id="{B7774C34-A4BD-B245-8ACB-367D6E7CEE16}"/>
+          <p:cNvPr id="4" name="Picture 3" descr="A picture containing text&#13;&#10;&#13;&#10;Description automatically generated">
+            <a:extLst>
+              <a:ext uri="{FF2B5EF4-FFF2-40B4-BE49-F238E27FC236}">
+                <a16:creationId xmlns:a16="http://schemas.microsoft.com/office/drawing/2014/main" id="{758B2133-380B-8743-A4EB-4336784E7C95}"/>
               </a:ext>
             </a:extLst>
           </p:cNvPr>
@@ -6015,8 +6130,8 @@
         </p:blipFill>
         <p:spPr>
           <a:xfrm>
-            <a:off x="0" y="1430736"/>
-            <a:ext cx="12192000" cy="5427264"/>
+            <a:off x="2237820" y="0"/>
+            <a:ext cx="9375032" cy="6858000"/>
           </a:xfrm>
           <a:prstGeom prst="rect">
             <a:avLst/>
@@ -6026,7 +6141,7 @@
     </p:spTree>
     <p:extLst>
       <p:ext uri="{BB962C8B-B14F-4D97-AF65-F5344CB8AC3E}">
-        <p14:creationId xmlns:p14="http://schemas.microsoft.com/office/powerpoint/2010/main" val="2050247635"/>
+        <p14:creationId xmlns:p14="http://schemas.microsoft.com/office/powerpoint/2010/main" val="770784985"/>
       </p:ext>
     </p:extLst>
   </p:cSld>
@@ -6058,7 +6173,7 @@
           <p:cNvPr id="2" name="Title 1">
             <a:extLst>
               <a:ext uri="{FF2B5EF4-FFF2-40B4-BE49-F238E27FC236}">
-                <a16:creationId xmlns:a16="http://schemas.microsoft.com/office/drawing/2014/main" id="{A23C8CCC-00E4-CD4F-90CC-2F1432F86AD7}"/>
+                <a16:creationId xmlns:a16="http://schemas.microsoft.com/office/drawing/2014/main" id="{0979CC57-394A-044E-9B68-5F6C0FD37AC1}"/>
               </a:ext>
             </a:extLst>
           </p:cNvPr>
@@ -6078,75 +6193,178 @@
           <a:p>
             <a:r>
               <a:rPr lang="en-US" dirty="0"/>
-              <a:t>ex1</a:t>
-            </a:r>
-          </a:p>
-        </p:txBody>
-      </p:sp>
-      <p:pic>
-        <p:nvPicPr>
-          <p:cNvPr id="4" name="Picture 3" descr="A picture containing clock&#13;&#10;&#13;&#10;Description automatically generated">
-            <a:extLst>
-              <a:ext uri="{FF2B5EF4-FFF2-40B4-BE49-F238E27FC236}">
-                <a16:creationId xmlns:a16="http://schemas.microsoft.com/office/drawing/2014/main" id="{227AC9B3-C53D-0746-81B5-386DB84F1C7B}"/>
-              </a:ext>
-            </a:extLst>
-          </p:cNvPr>
-          <p:cNvPicPr>
-            <a:picLocks noChangeAspect="1"/>
-          </p:cNvPicPr>
-          <p:nvPr/>
-        </p:nvPicPr>
-        <p:blipFill>
-          <a:blip r:embed="rId2"/>
-          <a:stretch>
-            <a:fillRect/>
-          </a:stretch>
-        </p:blipFill>
-        <p:spPr>
-          <a:xfrm>
-            <a:off x="5564778" y="-1601"/>
-            <a:ext cx="3486668" cy="6858000"/>
-          </a:xfrm>
-          <a:prstGeom prst="rect">
-            <a:avLst/>
-          </a:prstGeom>
-        </p:spPr>
-      </p:pic>
-      <p:pic>
-        <p:nvPicPr>
-          <p:cNvPr id="6" name="Picture 5" descr="A close up of a screen&#13;&#10;&#13;&#10;Description automatically generated">
-            <a:extLst>
-              <a:ext uri="{FF2B5EF4-FFF2-40B4-BE49-F238E27FC236}">
-                <a16:creationId xmlns:a16="http://schemas.microsoft.com/office/drawing/2014/main" id="{1C913978-1585-0446-91D3-A8880F628254}"/>
-              </a:ext>
-            </a:extLst>
-          </p:cNvPr>
-          <p:cNvPicPr>
-            <a:picLocks noChangeAspect="1"/>
-          </p:cNvPicPr>
-          <p:nvPr/>
-        </p:nvPicPr>
-        <p:blipFill>
-          <a:blip r:embed="rId3"/>
-          <a:stretch>
-            <a:fillRect/>
-          </a:stretch>
-        </p:blipFill>
-        <p:spPr>
-          <a:xfrm>
-            <a:off x="531628" y="2115581"/>
-            <a:ext cx="4460947" cy="1421859"/>
-          </a:xfrm>
-          <a:prstGeom prst="rect">
-            <a:avLst/>
-          </a:prstGeom>
-        </p:spPr>
-      </p:pic>
+              <a:t>Overview</a:t>
+            </a:r>
+          </a:p>
+        </p:txBody>
+      </p:sp>
+      <p:sp>
+        <p:nvSpPr>
+          <p:cNvPr id="3" name="Content Placeholder 2">
+            <a:extLst>
+              <a:ext uri="{FF2B5EF4-FFF2-40B4-BE49-F238E27FC236}">
+                <a16:creationId xmlns:a16="http://schemas.microsoft.com/office/drawing/2014/main" id="{3F4557E5-10A1-7341-9A24-67AF381B1ABF}"/>
+              </a:ext>
+            </a:extLst>
+          </p:cNvPr>
+          <p:cNvSpPr>
+            <a:spLocks noGrp="1"/>
+          </p:cNvSpPr>
+          <p:nvPr>
+            <p:ph idx="1"/>
+          </p:nvPr>
+        </p:nvSpPr>
+        <p:spPr/>
+        <p:txBody>
+          <a:bodyPr>
+            <a:normAutofit fontScale="77500" lnSpcReduction="20000"/>
+          </a:bodyPr>
+          <a:lstStyle/>
+          <a:p>
+            <a:r>
+              <a:rPr lang="en-US" dirty="0"/>
+              <a:t>OS is full of such problems</a:t>
+            </a:r>
+          </a:p>
+          <a:p>
+            <a:pPr lvl="1"/>
+            <a:r>
+              <a:rPr lang="en-US" dirty="0"/>
+              <a:t>So will self-driving cars face</a:t>
+            </a:r>
+          </a:p>
+          <a:p>
+            <a:r>
+              <a:rPr lang="en-US" dirty="0"/>
+              <a:t>If the basic protocols aren’t right…</a:t>
+            </a:r>
+          </a:p>
+          <a:p>
+            <a:pPr lvl="1"/>
+            <a:r>
+              <a:rPr lang="en-US" dirty="0"/>
+              <a:t>Then the ML system’s intelligence is not going to help you </a:t>
+            </a:r>
+            <a:r>
+              <a:rPr lang="en-US" dirty="0">
+                <a:sym typeface="Wingdings" pitchFamily="2" charset="2"/>
+              </a:rPr>
+              <a:t></a:t>
+            </a:r>
+          </a:p>
+          <a:p>
+            <a:r>
+              <a:rPr lang="en-US" dirty="0">
+                <a:sym typeface="Wingdings" pitchFamily="2" charset="2"/>
+              </a:rPr>
+              <a:t>We need to</a:t>
+            </a:r>
+          </a:p>
+          <a:p>
+            <a:pPr lvl="1"/>
+            <a:r>
+              <a:rPr lang="en-US" dirty="0">
+                <a:sym typeface="Wingdings" pitchFamily="2" charset="2"/>
+              </a:rPr>
+              <a:t>Be able to model such protocols</a:t>
+            </a:r>
+          </a:p>
+          <a:p>
+            <a:pPr lvl="1"/>
+            <a:r>
+              <a:rPr lang="en-US" dirty="0">
+                <a:sym typeface="Wingdings" pitchFamily="2" charset="2"/>
+              </a:rPr>
+              <a:t>State desired properties</a:t>
+            </a:r>
+          </a:p>
+          <a:p>
+            <a:pPr lvl="1"/>
+            <a:r>
+              <a:rPr lang="en-US" dirty="0">
+                <a:sym typeface="Wingdings" pitchFamily="2" charset="2"/>
+              </a:rPr>
+              <a:t>Debug your thoughts</a:t>
+            </a:r>
+          </a:p>
+          <a:p>
+            <a:pPr lvl="1"/>
+            <a:r>
+              <a:rPr lang="en-US" dirty="0">
+                <a:sym typeface="Wingdings" pitchFamily="2" charset="2"/>
+              </a:rPr>
+              <a:t>… and eventually “VERIFY” the protocol </a:t>
+            </a:r>
+          </a:p>
+          <a:p>
+            <a:pPr lvl="2"/>
+            <a:r>
+              <a:rPr lang="en-US" dirty="0">
+                <a:sym typeface="Wingdings" pitchFamily="2" charset="2"/>
+              </a:rPr>
+              <a:t>But </a:t>
+            </a:r>
+            <a:r>
+              <a:rPr lang="en-US" dirty="0" err="1">
+                <a:sym typeface="Wingdings" pitchFamily="2" charset="2"/>
+              </a:rPr>
+              <a:t>w.r.t.</a:t>
+            </a:r>
+            <a:r>
+              <a:rPr lang="en-US" dirty="0">
+                <a:sym typeface="Wingdings" pitchFamily="2" charset="2"/>
+              </a:rPr>
+              <a:t> the stated properties</a:t>
+            </a:r>
+          </a:p>
+          <a:p>
+            <a:pPr lvl="2"/>
+            <a:r>
+              <a:rPr lang="en-US" dirty="0">
+                <a:sym typeface="Wingdings" pitchFamily="2" charset="2"/>
+              </a:rPr>
+              <a:t>The longer the catalog of properties passed, the surer you are</a:t>
+            </a:r>
+          </a:p>
+          <a:p>
+            <a:pPr lvl="1"/>
+            <a:r>
+              <a:rPr lang="en-US" dirty="0">
+                <a:sym typeface="Wingdings" pitchFamily="2" charset="2"/>
+              </a:rPr>
+              <a:t>This is really how HW debugging works</a:t>
+            </a:r>
+          </a:p>
+          <a:p>
+            <a:pPr lvl="2"/>
+            <a:r>
+              <a:rPr lang="en-US" dirty="0">
+                <a:sym typeface="Wingdings" pitchFamily="2" charset="2"/>
+              </a:rPr>
+              <a:t>and w/o debugged hardware there is no modern society!!  No CPUs, no nothing !!</a:t>
+            </a:r>
+          </a:p>
+          <a:p>
+            <a:r>
+              <a:rPr lang="en-US" dirty="0">
+                <a:sym typeface="Wingdings" pitchFamily="2" charset="2"/>
+              </a:rPr>
+              <a:t>I have to at least tell you one version of the BDD story of </a:t>
+            </a:r>
+            <a:r>
+              <a:rPr lang="en-US">
+                <a:sym typeface="Wingdings" pitchFamily="2" charset="2"/>
+              </a:rPr>
+              <a:t>HW verification!</a:t>
+            </a:r>
+            <a:endParaRPr lang="en-US" dirty="0"/>
+          </a:p>
+        </p:txBody>
+      </p:sp>
     </p:spTree>
     <p:extLst>
       <p:ext uri="{BB962C8B-B14F-4D97-AF65-F5344CB8AC3E}">
-        <p14:creationId xmlns:p14="http://schemas.microsoft.com/office/powerpoint/2010/main" val="3217927550"/>
+        <p14:creationId xmlns:p14="http://schemas.microsoft.com/office/powerpoint/2010/main" val="3795067159"/>
       </p:ext>
     </p:extLst>
   </p:cSld>
@@ -6189,26 +6407,31 @@
             <p:ph type="title"/>
           </p:nvPr>
         </p:nvSpPr>
-        <p:spPr/>
+        <p:spPr>
+          <a:xfrm>
+            <a:off x="944082" y="0"/>
+            <a:ext cx="2122967" cy="921490"/>
+          </a:xfrm>
+        </p:spPr>
         <p:txBody>
           <a:bodyPr>
-            <a:normAutofit fontScale="90000"/>
+            <a:normAutofit/>
           </a:bodyPr>
           <a:lstStyle/>
           <a:p>
             <a:r>
-              <a:rPr lang="en-US" dirty="0"/>
-              <a:t>Lecture 4 : LTL model checking (CEAAT)</a:t>
+              <a:rPr lang="en-US" sz="2400" dirty="0"/>
+              <a:t>ex12b</a:t>
             </a:r>
           </a:p>
         </p:txBody>
       </p:sp>
       <p:pic>
         <p:nvPicPr>
-          <p:cNvPr id="6" name="Picture 5" descr="A close up of a map&#13;&#10;&#13;&#10;Description automatically generated">
-            <a:extLst>
-              <a:ext uri="{FF2B5EF4-FFF2-40B4-BE49-F238E27FC236}">
-                <a16:creationId xmlns:a16="http://schemas.microsoft.com/office/drawing/2014/main" id="{78191A7D-C985-CB49-BC3B-3F885D9B823B}"/>
+          <p:cNvPr id="5" name="Picture 4" descr="A screenshot of a cell phone&#13;&#10;&#13;&#10;Description automatically generated">
+            <a:extLst>
+              <a:ext uri="{FF2B5EF4-FFF2-40B4-BE49-F238E27FC236}">
+                <a16:creationId xmlns:a16="http://schemas.microsoft.com/office/drawing/2014/main" id="{62551C9B-9FC2-3740-BF08-D4F11CEB452F}"/>
               </a:ext>
             </a:extLst>
           </p:cNvPr>
@@ -6225,8 +6448,8 @@
         </p:blipFill>
         <p:spPr>
           <a:xfrm>
-            <a:off x="2819400" y="981526"/>
-            <a:ext cx="7867236" cy="5876474"/>
+            <a:off x="0" y="791568"/>
+            <a:ext cx="12192000" cy="5427264"/>
           </a:xfrm>
           <a:prstGeom prst="rect">
             <a:avLst/>
@@ -6236,7 +6459,7 @@
     </p:spTree>
     <p:extLst>
       <p:ext uri="{BB962C8B-B14F-4D97-AF65-F5344CB8AC3E}">
-        <p14:creationId xmlns:p14="http://schemas.microsoft.com/office/powerpoint/2010/main" val="3756899247"/>
+        <p14:creationId xmlns:p14="http://schemas.microsoft.com/office/powerpoint/2010/main" val="1324965387"/>
       </p:ext>
     </p:extLst>
   </p:cSld>
@@ -6279,26 +6502,31 @@
             <p:ph type="title"/>
           </p:nvPr>
         </p:nvSpPr>
-        <p:spPr/>
+        <p:spPr>
+          <a:xfrm>
+            <a:off x="391633" y="280064"/>
+            <a:ext cx="1288312" cy="1251026"/>
+          </a:xfrm>
+        </p:spPr>
         <p:txBody>
           <a:bodyPr>
-            <a:normAutofit fontScale="90000"/>
+            <a:normAutofit/>
           </a:bodyPr>
           <a:lstStyle/>
           <a:p>
             <a:r>
-              <a:rPr lang="en-US" dirty="0"/>
-              <a:t>Lecture 4 : LTL model checking (CEAAT)</a:t>
+              <a:rPr lang="en-US" sz="2400" dirty="0"/>
+              <a:t>ex13</a:t>
             </a:r>
           </a:p>
         </p:txBody>
       </p:sp>
       <p:pic>
         <p:nvPicPr>
-          <p:cNvPr id="4" name="Picture 3" descr="A screenshot of a cell phone&#13;&#10;&#13;&#10;Description automatically generated">
-            <a:extLst>
-              <a:ext uri="{FF2B5EF4-FFF2-40B4-BE49-F238E27FC236}">
-                <a16:creationId xmlns:a16="http://schemas.microsoft.com/office/drawing/2014/main" id="{0B8AAE56-65EB-D54C-AEB1-825E9E6C26A5}"/>
+          <p:cNvPr id="4" name="Picture 3">
+            <a:extLst>
+              <a:ext uri="{FF2B5EF4-FFF2-40B4-BE49-F238E27FC236}">
+                <a16:creationId xmlns:a16="http://schemas.microsoft.com/office/drawing/2014/main" id="{446CA3BB-8694-BE45-9D14-9AF07A627E75}"/>
               </a:ext>
             </a:extLst>
           </p:cNvPr>
@@ -6315,8 +6543,8 @@
         </p:blipFill>
         <p:spPr>
           <a:xfrm>
-            <a:off x="762000" y="983412"/>
-            <a:ext cx="10668000" cy="5168900"/>
+            <a:off x="1188927" y="355600"/>
+            <a:ext cx="10452100" cy="6146800"/>
           </a:xfrm>
           <a:prstGeom prst="rect">
             <a:avLst/>
@@ -6326,7 +6554,7 @@
     </p:spTree>
     <p:extLst>
       <p:ext uri="{BB962C8B-B14F-4D97-AF65-F5344CB8AC3E}">
-        <p14:creationId xmlns:p14="http://schemas.microsoft.com/office/powerpoint/2010/main" val="4276955400"/>
+        <p14:creationId xmlns:p14="http://schemas.microsoft.com/office/powerpoint/2010/main" val="3428271646"/>
       </p:ext>
     </p:extLst>
   </p:cSld>
@@ -6369,26 +6597,31 @@
             <p:ph type="title"/>
           </p:nvPr>
         </p:nvSpPr>
-        <p:spPr/>
+        <p:spPr>
+          <a:xfrm>
+            <a:off x="391633" y="280064"/>
+            <a:ext cx="1288312" cy="1251026"/>
+          </a:xfrm>
+        </p:spPr>
         <p:txBody>
           <a:bodyPr>
-            <a:normAutofit fontScale="90000"/>
+            <a:normAutofit/>
           </a:bodyPr>
           <a:lstStyle/>
           <a:p>
             <a:r>
-              <a:rPr lang="en-US" dirty="0"/>
-              <a:t>Lecture 4 : LTL model checking (CEAAT)</a:t>
+              <a:rPr lang="en-US" sz="2400" dirty="0"/>
+              <a:t>ex13</a:t>
             </a:r>
           </a:p>
         </p:txBody>
       </p:sp>
       <p:pic>
         <p:nvPicPr>
-          <p:cNvPr id="4" name="Picture 3" descr="A screenshot of a cell phone&#13;&#10;&#13;&#10;Description automatically generated">
-            <a:extLst>
-              <a:ext uri="{FF2B5EF4-FFF2-40B4-BE49-F238E27FC236}">
-                <a16:creationId xmlns:a16="http://schemas.microsoft.com/office/drawing/2014/main" id="{F286AB76-1F41-7B42-A073-2B4B68387518}"/>
+          <p:cNvPr id="4" name="Picture 3">
+            <a:extLst>
+              <a:ext uri="{FF2B5EF4-FFF2-40B4-BE49-F238E27FC236}">
+                <a16:creationId xmlns:a16="http://schemas.microsoft.com/office/drawing/2014/main" id="{446CA3BB-8694-BE45-9D14-9AF07A627E75}"/>
               </a:ext>
             </a:extLst>
           </p:cNvPr>
@@ -6405,18 +6638,65 @@
         </p:blipFill>
         <p:spPr>
           <a:xfrm>
-            <a:off x="838200" y="2051050"/>
-            <a:ext cx="10477500" cy="4165600"/>
+            <a:off x="2145857" y="280064"/>
+            <a:ext cx="6446433" cy="3791098"/>
           </a:xfrm>
           <a:prstGeom prst="rect">
             <a:avLst/>
           </a:prstGeom>
         </p:spPr>
       </p:pic>
+      <p:sp>
+        <p:nvSpPr>
+          <p:cNvPr id="3" name="TextBox 2">
+            <a:extLst>
+              <a:ext uri="{FF2B5EF4-FFF2-40B4-BE49-F238E27FC236}">
+                <a16:creationId xmlns:a16="http://schemas.microsoft.com/office/drawing/2014/main" id="{E42F4300-C10B-0941-BA1A-4C986EB0385B}"/>
+              </a:ext>
+            </a:extLst>
+          </p:cNvPr>
+          <p:cNvSpPr txBox="1"/>
+          <p:nvPr/>
+        </p:nvSpPr>
+        <p:spPr>
+          <a:xfrm>
+            <a:off x="2324100" y="4953000"/>
+            <a:ext cx="7882286" cy="646331"/>
+          </a:xfrm>
+          <a:prstGeom prst="rect">
+            <a:avLst/>
+          </a:prstGeom>
+          <a:noFill/>
+        </p:spPr>
+        <p:txBody>
+          <a:bodyPr wrap="none" rtlCol="0">
+            <a:spAutoFit/>
+          </a:bodyPr>
+          <a:lstStyle/>
+          <a:p>
+            <a:r>
+              <a:rPr lang="en-US" dirty="0">
+                <a:hlinkClick r:id="rId3"/>
+              </a:rPr>
+              <a:t>http://spinroot.com/spin/Man/Pan.html</a:t>
+            </a:r>
+            <a:r>
+              <a:rPr lang="en-US" dirty="0"/>
+              <a:t>    suggests using –DNOREDUCE</a:t>
+            </a:r>
+          </a:p>
+          <a:p>
+            <a:r>
+              <a:rPr lang="en-US" dirty="0"/>
+              <a:t>PO reductions not safe with remote references (must be stutter invariant)</a:t>
+            </a:r>
+          </a:p>
+        </p:txBody>
+      </p:sp>
     </p:spTree>
     <p:extLst>
       <p:ext uri="{BB962C8B-B14F-4D97-AF65-F5344CB8AC3E}">
-        <p14:creationId xmlns:p14="http://schemas.microsoft.com/office/powerpoint/2010/main" val="1976181983"/>
+        <p14:creationId xmlns:p14="http://schemas.microsoft.com/office/powerpoint/2010/main" val="1003795563"/>
       </p:ext>
     </p:extLst>
   </p:cSld>
@@ -6459,26 +6739,31 @@
             <p:ph type="title"/>
           </p:nvPr>
         </p:nvSpPr>
-        <p:spPr/>
+        <p:spPr>
+          <a:xfrm>
+            <a:off x="391633" y="280064"/>
+            <a:ext cx="1288312" cy="1251026"/>
+          </a:xfrm>
+        </p:spPr>
         <p:txBody>
           <a:bodyPr>
-            <a:normAutofit fontScale="90000"/>
+            <a:normAutofit/>
           </a:bodyPr>
           <a:lstStyle/>
           <a:p>
             <a:r>
-              <a:rPr lang="en-US" dirty="0"/>
-              <a:t>Lecture 4 : LTL model checking (CEAAT)</a:t>
+              <a:rPr lang="en-US" sz="2400" dirty="0"/>
+              <a:t>ex13</a:t>
             </a:r>
           </a:p>
         </p:txBody>
       </p:sp>
       <p:pic>
         <p:nvPicPr>
-          <p:cNvPr id="4" name="Picture 3" descr="A close up of a logo&#13;&#10;&#13;&#10;Description automatically generated">
-            <a:extLst>
-              <a:ext uri="{FF2B5EF4-FFF2-40B4-BE49-F238E27FC236}">
-                <a16:creationId xmlns:a16="http://schemas.microsoft.com/office/drawing/2014/main" id="{C4C6397D-6898-B749-A9D9-4AFC2DE8354A}"/>
+          <p:cNvPr id="4" name="Picture 3">
+            <a:extLst>
+              <a:ext uri="{FF2B5EF4-FFF2-40B4-BE49-F238E27FC236}">
+                <a16:creationId xmlns:a16="http://schemas.microsoft.com/office/drawing/2014/main" id="{446CA3BB-8694-BE45-9D14-9AF07A627E75}"/>
               </a:ext>
             </a:extLst>
           </p:cNvPr>
@@ -6495,8 +6780,8 @@
         </p:blipFill>
         <p:spPr>
           <a:xfrm>
-            <a:off x="1549400" y="2895600"/>
-            <a:ext cx="9093200" cy="1066800"/>
+            <a:off x="1188927" y="355600"/>
+            <a:ext cx="10452100" cy="6146800"/>
           </a:xfrm>
           <a:prstGeom prst="rect">
             <a:avLst/>
@@ -6506,7 +6791,7 @@
     </p:spTree>
     <p:extLst>
       <p:ext uri="{BB962C8B-B14F-4D97-AF65-F5344CB8AC3E}">
-        <p14:creationId xmlns:p14="http://schemas.microsoft.com/office/powerpoint/2010/main" val="387552988"/>
+        <p14:creationId xmlns:p14="http://schemas.microsoft.com/office/powerpoint/2010/main" val="1972531278"/>
       </p:ext>
     </p:extLst>
   </p:cSld>
@@ -6549,26 +6834,31 @@
             <p:ph type="title"/>
           </p:nvPr>
         </p:nvSpPr>
-        <p:spPr/>
+        <p:spPr>
+          <a:xfrm>
+            <a:off x="391633" y="280064"/>
+            <a:ext cx="1288312" cy="1251026"/>
+          </a:xfrm>
+        </p:spPr>
         <p:txBody>
           <a:bodyPr>
-            <a:normAutofit fontScale="90000"/>
+            <a:normAutofit/>
           </a:bodyPr>
           <a:lstStyle/>
           <a:p>
             <a:r>
-              <a:rPr lang="en-US" dirty="0"/>
-              <a:t>Lecture 4 : LTL model checking (CEAAT)</a:t>
+              <a:rPr lang="en-US" sz="2400" dirty="0"/>
+              <a:t>ex14</a:t>
             </a:r>
           </a:p>
         </p:txBody>
       </p:sp>
       <p:pic>
         <p:nvPicPr>
-          <p:cNvPr id="4" name="Picture 3">
-            <a:extLst>
-              <a:ext uri="{FF2B5EF4-FFF2-40B4-BE49-F238E27FC236}">
-                <a16:creationId xmlns:a16="http://schemas.microsoft.com/office/drawing/2014/main" id="{55C5615D-077A-BE48-99F8-F217A8411F0B}"/>
+          <p:cNvPr id="4" name="Picture 3" descr="A screenshot of text&#13;&#10;&#13;&#10;Description automatically generated">
+            <a:extLst>
+              <a:ext uri="{FF2B5EF4-FFF2-40B4-BE49-F238E27FC236}">
+                <a16:creationId xmlns:a16="http://schemas.microsoft.com/office/drawing/2014/main" id="{47B84B53-D461-534F-B871-6346622C6B7E}"/>
               </a:ext>
             </a:extLst>
           </p:cNvPr>
@@ -6585,8 +6875,8 @@
         </p:blipFill>
         <p:spPr>
           <a:xfrm>
-            <a:off x="876300" y="1289050"/>
-            <a:ext cx="10439400" cy="4279900"/>
+            <a:off x="4165059" y="0"/>
+            <a:ext cx="3861881" cy="6858000"/>
           </a:xfrm>
           <a:prstGeom prst="rect">
             <a:avLst/>
@@ -6596,7 +6886,7 @@
     </p:spTree>
     <p:extLst>
       <p:ext uri="{BB962C8B-B14F-4D97-AF65-F5344CB8AC3E}">
-        <p14:creationId xmlns:p14="http://schemas.microsoft.com/office/powerpoint/2010/main" val="2962578293"/>
+        <p14:creationId xmlns:p14="http://schemas.microsoft.com/office/powerpoint/2010/main" val="2123195274"/>
       </p:ext>
     </p:extLst>
   </p:cSld>
@@ -6653,40 +6943,10 @@
           </a:p>
         </p:txBody>
       </p:sp>
-      <p:pic>
-        <p:nvPicPr>
-          <p:cNvPr id="4" name="Picture 3" descr="A picture containing text&#13;&#10;&#13;&#10;Description automatically generated">
-            <a:extLst>
-              <a:ext uri="{FF2B5EF4-FFF2-40B4-BE49-F238E27FC236}">
-                <a16:creationId xmlns:a16="http://schemas.microsoft.com/office/drawing/2014/main" id="{E428FEA4-AD44-404D-B546-FB7666D39096}"/>
-              </a:ext>
-            </a:extLst>
-          </p:cNvPr>
-          <p:cNvPicPr>
-            <a:picLocks noChangeAspect="1"/>
-          </p:cNvPicPr>
-          <p:nvPr/>
-        </p:nvPicPr>
-        <p:blipFill>
-          <a:blip r:embed="rId2"/>
-          <a:stretch>
-            <a:fillRect/>
-          </a:stretch>
-        </p:blipFill>
-        <p:spPr>
-          <a:xfrm>
-            <a:off x="622300" y="1047750"/>
-            <a:ext cx="10947400" cy="4762500"/>
-          </a:xfrm>
-          <a:prstGeom prst="rect">
-            <a:avLst/>
-          </a:prstGeom>
-        </p:spPr>
-      </p:pic>
     </p:spTree>
     <p:extLst>
       <p:ext uri="{BB962C8B-B14F-4D97-AF65-F5344CB8AC3E}">
-        <p14:creationId xmlns:p14="http://schemas.microsoft.com/office/powerpoint/2010/main" val="3193912052"/>
+        <p14:creationId xmlns:p14="http://schemas.microsoft.com/office/powerpoint/2010/main" val="2102961320"/>
       </p:ext>
     </p:extLst>
   </p:cSld>
@@ -6732,13 +6992,28 @@
         <p:spPr/>
         <p:txBody>
           <a:bodyPr>
-            <a:normAutofit fontScale="90000"/>
+            <a:normAutofit/>
           </a:bodyPr>
           <a:lstStyle/>
           <a:p>
             <a:r>
-              <a:rPr lang="en-US" dirty="0"/>
-              <a:t>Lecture 4 : LTL model checking (CEAAT)</a:t>
+              <a:rPr lang="en-US" sz="1600" dirty="0"/>
+              <a:t>Question: What is the theory behind this checking?</a:t>
+            </a:r>
+            <a:br>
+              <a:rPr lang="en-US" sz="1600" dirty="0"/>
+            </a:br>
+            <a:r>
+              <a:rPr lang="en-US" sz="1600" dirty="0"/>
+              <a:t>Answer: On-the-fly LTL Model Checking using </a:t>
+            </a:r>
+            <a:r>
+              <a:rPr lang="en-US" sz="1600" dirty="0" err="1"/>
+              <a:t>Buchi</a:t>
+            </a:r>
+            <a:r>
+              <a:rPr lang="en-US" sz="1600" dirty="0"/>
+              <a:t> Automata!</a:t>
             </a:r>
           </a:p>
         </p:txBody>
@@ -6748,7 +7023,7 @@
           <p:cNvPr id="4" name="Picture 3" descr="A screenshot of a cell phone&#13;&#10;&#13;&#10;Description automatically generated">
             <a:extLst>
               <a:ext uri="{FF2B5EF4-FFF2-40B4-BE49-F238E27FC236}">
-                <a16:creationId xmlns:a16="http://schemas.microsoft.com/office/drawing/2014/main" id="{30A7F6BE-1F1E-9544-B103-C4312F49400B}"/>
+                <a16:creationId xmlns:a16="http://schemas.microsoft.com/office/drawing/2014/main" id="{B7774C34-A4BD-B245-8ACB-367D6E7CEE16}"/>
               </a:ext>
             </a:extLst>
           </p:cNvPr>
@@ -6765,8 +7040,8 @@
         </p:blipFill>
         <p:spPr>
           <a:xfrm>
-            <a:off x="660400" y="1708150"/>
-            <a:ext cx="10871200" cy="3441700"/>
+            <a:off x="0" y="1430736"/>
+            <a:ext cx="12192000" cy="5427264"/>
           </a:xfrm>
           <a:prstGeom prst="rect">
             <a:avLst/>
@@ -6776,7 +7051,7 @@
     </p:spTree>
     <p:extLst>
       <p:ext uri="{BB962C8B-B14F-4D97-AF65-F5344CB8AC3E}">
-        <p14:creationId xmlns:p14="http://schemas.microsoft.com/office/powerpoint/2010/main" val="2867223644"/>
+        <p14:creationId xmlns:p14="http://schemas.microsoft.com/office/powerpoint/2010/main" val="2050247635"/>
       </p:ext>
     </p:extLst>
   </p:cSld>
@@ -6835,10 +7110,10 @@
       </p:sp>
       <p:pic>
         <p:nvPicPr>
-          <p:cNvPr id="4" name="Picture 3" descr="A picture containing object&#13;&#10;&#13;&#10;Description automatically generated">
-            <a:extLst>
-              <a:ext uri="{FF2B5EF4-FFF2-40B4-BE49-F238E27FC236}">
-                <a16:creationId xmlns:a16="http://schemas.microsoft.com/office/drawing/2014/main" id="{D9F5DDB2-E83A-DF41-9CB5-5736E9B67CBB}"/>
+          <p:cNvPr id="6" name="Picture 5" descr="A close up of a map&#13;&#10;&#13;&#10;Description automatically generated">
+            <a:extLst>
+              <a:ext uri="{FF2B5EF4-FFF2-40B4-BE49-F238E27FC236}">
+                <a16:creationId xmlns:a16="http://schemas.microsoft.com/office/drawing/2014/main" id="{78191A7D-C985-CB49-BC3B-3F885D9B823B}"/>
               </a:ext>
             </a:extLst>
           </p:cNvPr>
@@ -6855,8 +7130,8 @@
         </p:blipFill>
         <p:spPr>
           <a:xfrm>
-            <a:off x="4394200" y="2940050"/>
-            <a:ext cx="3403600" cy="977900"/>
+            <a:off x="2819400" y="981526"/>
+            <a:ext cx="7867236" cy="5876474"/>
           </a:xfrm>
           <a:prstGeom prst="rect">
             <a:avLst/>
@@ -6866,7 +7141,7 @@
     </p:spTree>
     <p:extLst>
       <p:ext uri="{BB962C8B-B14F-4D97-AF65-F5344CB8AC3E}">
-        <p14:creationId xmlns:p14="http://schemas.microsoft.com/office/powerpoint/2010/main" val="3373465805"/>
+        <p14:creationId xmlns:p14="http://schemas.microsoft.com/office/powerpoint/2010/main" val="3756899247"/>
       </p:ext>
     </p:extLst>
   </p:cSld>
@@ -6925,10 +7200,10 @@
       </p:sp>
       <p:pic>
         <p:nvPicPr>
-          <p:cNvPr id="4" name="Picture 3" descr="A close up of a watch&#13;&#10;&#13;&#10;Description automatically generated">
-            <a:extLst>
-              <a:ext uri="{FF2B5EF4-FFF2-40B4-BE49-F238E27FC236}">
-                <a16:creationId xmlns:a16="http://schemas.microsoft.com/office/drawing/2014/main" id="{0F7B68AF-602B-ED49-A0EC-F1383F6AEA3E}"/>
+          <p:cNvPr id="4" name="Picture 3" descr="A screenshot of a cell phone&#13;&#10;&#13;&#10;Description automatically generated">
+            <a:extLst>
+              <a:ext uri="{FF2B5EF4-FFF2-40B4-BE49-F238E27FC236}">
+                <a16:creationId xmlns:a16="http://schemas.microsoft.com/office/drawing/2014/main" id="{0B8AAE56-65EB-D54C-AEB1-825E9E6C26A5}"/>
               </a:ext>
             </a:extLst>
           </p:cNvPr>
@@ -6945,8 +7220,8 @@
         </p:blipFill>
         <p:spPr>
           <a:xfrm>
-            <a:off x="692150" y="1841500"/>
-            <a:ext cx="10807700" cy="3175000"/>
+            <a:off x="762000" y="983412"/>
+            <a:ext cx="10668000" cy="5168900"/>
           </a:xfrm>
           <a:prstGeom prst="rect">
             <a:avLst/>
@@ -6956,7 +7231,97 @@
     </p:spTree>
     <p:extLst>
       <p:ext uri="{BB962C8B-B14F-4D97-AF65-F5344CB8AC3E}">
-        <p14:creationId xmlns:p14="http://schemas.microsoft.com/office/powerpoint/2010/main" val="1140388471"/>
+        <p14:creationId xmlns:p14="http://schemas.microsoft.com/office/powerpoint/2010/main" val="4276955400"/>
+      </p:ext>
+    </p:extLst>
+  </p:cSld>
+  <p:clrMapOvr>
+    <a:masterClrMapping/>
+  </p:clrMapOvr>
+</p:sld>
+</file>
+
+<file path=ppt/slides/slide39.xml><?xml version="1.0" encoding="utf-8"?>
+<p:sld xmlns:a="http://schemas.openxmlformats.org/drawingml/2006/main" xmlns:r="http://schemas.openxmlformats.org/officeDocument/2006/relationships" xmlns:p="http://schemas.openxmlformats.org/presentationml/2006/main">
+  <p:cSld>
+    <p:spTree>
+      <p:nvGrpSpPr>
+        <p:cNvPr id="1" name=""/>
+        <p:cNvGrpSpPr/>
+        <p:nvPr/>
+      </p:nvGrpSpPr>
+      <p:grpSpPr>
+        <a:xfrm>
+          <a:off x="0" y="0"/>
+          <a:ext cx="0" cy="0"/>
+          <a:chOff x="0" y="0"/>
+          <a:chExt cx="0" cy="0"/>
+        </a:xfrm>
+      </p:grpSpPr>
+      <p:sp>
+        <p:nvSpPr>
+          <p:cNvPr id="2" name="Title 1">
+            <a:extLst>
+              <a:ext uri="{FF2B5EF4-FFF2-40B4-BE49-F238E27FC236}">
+                <a16:creationId xmlns:a16="http://schemas.microsoft.com/office/drawing/2014/main" id="{A23C8CCC-00E4-CD4F-90CC-2F1432F86AD7}"/>
+              </a:ext>
+            </a:extLst>
+          </p:cNvPr>
+          <p:cNvSpPr>
+            <a:spLocks noGrp="1"/>
+          </p:cNvSpPr>
+          <p:nvPr>
+            <p:ph type="title"/>
+          </p:nvPr>
+        </p:nvSpPr>
+        <p:spPr/>
+        <p:txBody>
+          <a:bodyPr>
+            <a:normAutofit fontScale="90000"/>
+          </a:bodyPr>
+          <a:lstStyle/>
+          <a:p>
+            <a:r>
+              <a:rPr lang="en-US" dirty="0"/>
+              <a:t>Lecture 4 : LTL model checking (CEAAT)</a:t>
+            </a:r>
+          </a:p>
+        </p:txBody>
+      </p:sp>
+      <p:pic>
+        <p:nvPicPr>
+          <p:cNvPr id="4" name="Picture 3" descr="A screenshot of a cell phone&#13;&#10;&#13;&#10;Description automatically generated">
+            <a:extLst>
+              <a:ext uri="{FF2B5EF4-FFF2-40B4-BE49-F238E27FC236}">
+                <a16:creationId xmlns:a16="http://schemas.microsoft.com/office/drawing/2014/main" id="{F286AB76-1F41-7B42-A073-2B4B68387518}"/>
+              </a:ext>
+            </a:extLst>
+          </p:cNvPr>
+          <p:cNvPicPr>
+            <a:picLocks noChangeAspect="1"/>
+          </p:cNvPicPr>
+          <p:nvPr/>
+        </p:nvPicPr>
+        <p:blipFill>
+          <a:blip r:embed="rId2"/>
+          <a:stretch>
+            <a:fillRect/>
+          </a:stretch>
+        </p:blipFill>
+        <p:spPr>
+          <a:xfrm>
+            <a:off x="838200" y="2051050"/>
+            <a:ext cx="10477500" cy="4165600"/>
+          </a:xfrm>
+          <a:prstGeom prst="rect">
+            <a:avLst/>
+          </a:prstGeom>
+        </p:spPr>
+      </p:pic>
+    </p:spTree>
+    <p:extLst>
+      <p:ext uri="{BB962C8B-B14F-4D97-AF65-F5344CB8AC3E}">
+        <p14:creationId xmlns:p14="http://schemas.microsoft.com/office/powerpoint/2010/main" val="1976181983"/>
       </p:ext>
     </p:extLst>
   </p:cSld>
@@ -6988,7 +7353,7 @@
           <p:cNvPr id="2" name="Title 1">
             <a:extLst>
               <a:ext uri="{FF2B5EF4-FFF2-40B4-BE49-F238E27FC236}">
-                <a16:creationId xmlns:a16="http://schemas.microsoft.com/office/drawing/2014/main" id="{A23C8CCC-00E4-CD4F-90CC-2F1432F86AD7}"/>
+                <a16:creationId xmlns:a16="http://schemas.microsoft.com/office/drawing/2014/main" id="{0979CC57-394A-044E-9B68-5F6C0FD37AC1}"/>
               </a:ext>
             </a:extLst>
           </p:cNvPr>
@@ -7008,17 +7373,102 @@
           <a:p>
             <a:r>
               <a:rPr lang="en-US" dirty="0"/>
-              <a:t>ex1</a:t>
+              <a:t>Overview</a:t>
+            </a:r>
+          </a:p>
+        </p:txBody>
+      </p:sp>
+      <p:sp>
+        <p:nvSpPr>
+          <p:cNvPr id="3" name="Content Placeholder 2">
+            <a:extLst>
+              <a:ext uri="{FF2B5EF4-FFF2-40B4-BE49-F238E27FC236}">
+                <a16:creationId xmlns:a16="http://schemas.microsoft.com/office/drawing/2014/main" id="{3F4557E5-10A1-7341-9A24-67AF381B1ABF}"/>
+              </a:ext>
+            </a:extLst>
+          </p:cNvPr>
+          <p:cNvSpPr>
+            <a:spLocks noGrp="1"/>
+          </p:cNvSpPr>
+          <p:nvPr>
+            <p:ph idx="1"/>
+          </p:nvPr>
+        </p:nvSpPr>
+        <p:spPr/>
+        <p:txBody>
+          <a:bodyPr/>
+          <a:lstStyle/>
+          <a:p>
+            <a:endParaRPr lang="en-US"/>
+          </a:p>
+        </p:txBody>
+      </p:sp>
+    </p:spTree>
+    <p:extLst>
+      <p:ext uri="{BB962C8B-B14F-4D97-AF65-F5344CB8AC3E}">
+        <p14:creationId xmlns:p14="http://schemas.microsoft.com/office/powerpoint/2010/main" val="611397675"/>
+      </p:ext>
+    </p:extLst>
+  </p:cSld>
+  <p:clrMapOvr>
+    <a:masterClrMapping/>
+  </p:clrMapOvr>
+</p:sld>
+</file>
+
+<file path=ppt/slides/slide40.xml><?xml version="1.0" encoding="utf-8"?>
+<p:sld xmlns:a="http://schemas.openxmlformats.org/drawingml/2006/main" xmlns:r="http://schemas.openxmlformats.org/officeDocument/2006/relationships" xmlns:p="http://schemas.openxmlformats.org/presentationml/2006/main">
+  <p:cSld>
+    <p:spTree>
+      <p:nvGrpSpPr>
+        <p:cNvPr id="1" name=""/>
+        <p:cNvGrpSpPr/>
+        <p:nvPr/>
+      </p:nvGrpSpPr>
+      <p:grpSpPr>
+        <a:xfrm>
+          <a:off x="0" y="0"/>
+          <a:ext cx="0" cy="0"/>
+          <a:chOff x="0" y="0"/>
+          <a:chExt cx="0" cy="0"/>
+        </a:xfrm>
+      </p:grpSpPr>
+      <p:sp>
+        <p:nvSpPr>
+          <p:cNvPr id="2" name="Title 1">
+            <a:extLst>
+              <a:ext uri="{FF2B5EF4-FFF2-40B4-BE49-F238E27FC236}">
+                <a16:creationId xmlns:a16="http://schemas.microsoft.com/office/drawing/2014/main" id="{A23C8CCC-00E4-CD4F-90CC-2F1432F86AD7}"/>
+              </a:ext>
+            </a:extLst>
+          </p:cNvPr>
+          <p:cNvSpPr>
+            <a:spLocks noGrp="1"/>
+          </p:cNvSpPr>
+          <p:nvPr>
+            <p:ph type="title"/>
+          </p:nvPr>
+        </p:nvSpPr>
+        <p:spPr/>
+        <p:txBody>
+          <a:bodyPr>
+            <a:normAutofit fontScale="90000"/>
+          </a:bodyPr>
+          <a:lstStyle/>
+          <a:p>
+            <a:r>
+              <a:rPr lang="en-US" dirty="0"/>
+              <a:t>Lecture 4 : LTL model checking (CEAAT)</a:t>
             </a:r>
           </a:p>
         </p:txBody>
       </p:sp>
       <p:pic>
         <p:nvPicPr>
-          <p:cNvPr id="4" name="Picture 3" descr="A screenshot of a cell phone&#13;&#10;&#13;&#10;Description automatically generated">
-            <a:extLst>
-              <a:ext uri="{FF2B5EF4-FFF2-40B4-BE49-F238E27FC236}">
-                <a16:creationId xmlns:a16="http://schemas.microsoft.com/office/drawing/2014/main" id="{35254A58-5B64-EE4E-92D7-3EF27CA5F163}"/>
+          <p:cNvPr id="4" name="Picture 3" descr="A close up of a logo&#13;&#10;&#13;&#10;Description automatically generated">
+            <a:extLst>
+              <a:ext uri="{FF2B5EF4-FFF2-40B4-BE49-F238E27FC236}">
+                <a16:creationId xmlns:a16="http://schemas.microsoft.com/office/drawing/2014/main" id="{C4C6397D-6898-B749-A9D9-4AFC2DE8354A}"/>
               </a:ext>
             </a:extLst>
           </p:cNvPr>
@@ -7035,8 +7485,8 @@
         </p:blipFill>
         <p:spPr>
           <a:xfrm>
-            <a:off x="2273300" y="266700"/>
-            <a:ext cx="9080500" cy="6324600"/>
+            <a:off x="1549400" y="2895600"/>
+            <a:ext cx="9093200" cy="1066800"/>
           </a:xfrm>
           <a:prstGeom prst="rect">
             <a:avLst/>
@@ -7046,7 +7496,457 @@
     </p:spTree>
     <p:extLst>
       <p:ext uri="{BB962C8B-B14F-4D97-AF65-F5344CB8AC3E}">
-        <p14:creationId xmlns:p14="http://schemas.microsoft.com/office/powerpoint/2010/main" val="568850251"/>
+        <p14:creationId xmlns:p14="http://schemas.microsoft.com/office/powerpoint/2010/main" val="387552988"/>
+      </p:ext>
+    </p:extLst>
+  </p:cSld>
+  <p:clrMapOvr>
+    <a:masterClrMapping/>
+  </p:clrMapOvr>
+</p:sld>
+</file>
+
+<file path=ppt/slides/slide41.xml><?xml version="1.0" encoding="utf-8"?>
+<p:sld xmlns:a="http://schemas.openxmlformats.org/drawingml/2006/main" xmlns:r="http://schemas.openxmlformats.org/officeDocument/2006/relationships" xmlns:p="http://schemas.openxmlformats.org/presentationml/2006/main">
+  <p:cSld>
+    <p:spTree>
+      <p:nvGrpSpPr>
+        <p:cNvPr id="1" name=""/>
+        <p:cNvGrpSpPr/>
+        <p:nvPr/>
+      </p:nvGrpSpPr>
+      <p:grpSpPr>
+        <a:xfrm>
+          <a:off x="0" y="0"/>
+          <a:ext cx="0" cy="0"/>
+          <a:chOff x="0" y="0"/>
+          <a:chExt cx="0" cy="0"/>
+        </a:xfrm>
+      </p:grpSpPr>
+      <p:sp>
+        <p:nvSpPr>
+          <p:cNvPr id="2" name="Title 1">
+            <a:extLst>
+              <a:ext uri="{FF2B5EF4-FFF2-40B4-BE49-F238E27FC236}">
+                <a16:creationId xmlns:a16="http://schemas.microsoft.com/office/drawing/2014/main" id="{A23C8CCC-00E4-CD4F-90CC-2F1432F86AD7}"/>
+              </a:ext>
+            </a:extLst>
+          </p:cNvPr>
+          <p:cNvSpPr>
+            <a:spLocks noGrp="1"/>
+          </p:cNvSpPr>
+          <p:nvPr>
+            <p:ph type="title"/>
+          </p:nvPr>
+        </p:nvSpPr>
+        <p:spPr/>
+        <p:txBody>
+          <a:bodyPr>
+            <a:normAutofit fontScale="90000"/>
+          </a:bodyPr>
+          <a:lstStyle/>
+          <a:p>
+            <a:r>
+              <a:rPr lang="en-US" dirty="0"/>
+              <a:t>Lecture 4 : LTL model checking (CEAAT)</a:t>
+            </a:r>
+          </a:p>
+        </p:txBody>
+      </p:sp>
+      <p:pic>
+        <p:nvPicPr>
+          <p:cNvPr id="4" name="Picture 3">
+            <a:extLst>
+              <a:ext uri="{FF2B5EF4-FFF2-40B4-BE49-F238E27FC236}">
+                <a16:creationId xmlns:a16="http://schemas.microsoft.com/office/drawing/2014/main" id="{55C5615D-077A-BE48-99F8-F217A8411F0B}"/>
+              </a:ext>
+            </a:extLst>
+          </p:cNvPr>
+          <p:cNvPicPr>
+            <a:picLocks noChangeAspect="1"/>
+          </p:cNvPicPr>
+          <p:nvPr/>
+        </p:nvPicPr>
+        <p:blipFill>
+          <a:blip r:embed="rId2"/>
+          <a:stretch>
+            <a:fillRect/>
+          </a:stretch>
+        </p:blipFill>
+        <p:spPr>
+          <a:xfrm>
+            <a:off x="876300" y="1289050"/>
+            <a:ext cx="10439400" cy="4279900"/>
+          </a:xfrm>
+          <a:prstGeom prst="rect">
+            <a:avLst/>
+          </a:prstGeom>
+        </p:spPr>
+      </p:pic>
+    </p:spTree>
+    <p:extLst>
+      <p:ext uri="{BB962C8B-B14F-4D97-AF65-F5344CB8AC3E}">
+        <p14:creationId xmlns:p14="http://schemas.microsoft.com/office/powerpoint/2010/main" val="2962578293"/>
+      </p:ext>
+    </p:extLst>
+  </p:cSld>
+  <p:clrMapOvr>
+    <a:masterClrMapping/>
+  </p:clrMapOvr>
+</p:sld>
+</file>
+
+<file path=ppt/slides/slide42.xml><?xml version="1.0" encoding="utf-8"?>
+<p:sld xmlns:a="http://schemas.openxmlformats.org/drawingml/2006/main" xmlns:r="http://schemas.openxmlformats.org/officeDocument/2006/relationships" xmlns:p="http://schemas.openxmlformats.org/presentationml/2006/main">
+  <p:cSld>
+    <p:spTree>
+      <p:nvGrpSpPr>
+        <p:cNvPr id="1" name=""/>
+        <p:cNvGrpSpPr/>
+        <p:nvPr/>
+      </p:nvGrpSpPr>
+      <p:grpSpPr>
+        <a:xfrm>
+          <a:off x="0" y="0"/>
+          <a:ext cx="0" cy="0"/>
+          <a:chOff x="0" y="0"/>
+          <a:chExt cx="0" cy="0"/>
+        </a:xfrm>
+      </p:grpSpPr>
+      <p:sp>
+        <p:nvSpPr>
+          <p:cNvPr id="2" name="Title 1">
+            <a:extLst>
+              <a:ext uri="{FF2B5EF4-FFF2-40B4-BE49-F238E27FC236}">
+                <a16:creationId xmlns:a16="http://schemas.microsoft.com/office/drawing/2014/main" id="{A23C8CCC-00E4-CD4F-90CC-2F1432F86AD7}"/>
+              </a:ext>
+            </a:extLst>
+          </p:cNvPr>
+          <p:cNvSpPr>
+            <a:spLocks noGrp="1"/>
+          </p:cNvSpPr>
+          <p:nvPr>
+            <p:ph type="title"/>
+          </p:nvPr>
+        </p:nvSpPr>
+        <p:spPr/>
+        <p:txBody>
+          <a:bodyPr>
+            <a:normAutofit fontScale="90000"/>
+          </a:bodyPr>
+          <a:lstStyle/>
+          <a:p>
+            <a:r>
+              <a:rPr lang="en-US" dirty="0"/>
+              <a:t>Lecture 4 : LTL model checking (CEAAT)</a:t>
+            </a:r>
+          </a:p>
+        </p:txBody>
+      </p:sp>
+      <p:pic>
+        <p:nvPicPr>
+          <p:cNvPr id="4" name="Picture 3" descr="A picture containing text&#13;&#10;&#13;&#10;Description automatically generated">
+            <a:extLst>
+              <a:ext uri="{FF2B5EF4-FFF2-40B4-BE49-F238E27FC236}">
+                <a16:creationId xmlns:a16="http://schemas.microsoft.com/office/drawing/2014/main" id="{E428FEA4-AD44-404D-B546-FB7666D39096}"/>
+              </a:ext>
+            </a:extLst>
+          </p:cNvPr>
+          <p:cNvPicPr>
+            <a:picLocks noChangeAspect="1"/>
+          </p:cNvPicPr>
+          <p:nvPr/>
+        </p:nvPicPr>
+        <p:blipFill>
+          <a:blip r:embed="rId2"/>
+          <a:stretch>
+            <a:fillRect/>
+          </a:stretch>
+        </p:blipFill>
+        <p:spPr>
+          <a:xfrm>
+            <a:off x="622300" y="1047750"/>
+            <a:ext cx="10947400" cy="4762500"/>
+          </a:xfrm>
+          <a:prstGeom prst="rect">
+            <a:avLst/>
+          </a:prstGeom>
+        </p:spPr>
+      </p:pic>
+    </p:spTree>
+    <p:extLst>
+      <p:ext uri="{BB962C8B-B14F-4D97-AF65-F5344CB8AC3E}">
+        <p14:creationId xmlns:p14="http://schemas.microsoft.com/office/powerpoint/2010/main" val="3193912052"/>
+      </p:ext>
+    </p:extLst>
+  </p:cSld>
+  <p:clrMapOvr>
+    <a:masterClrMapping/>
+  </p:clrMapOvr>
+</p:sld>
+</file>
+
+<file path=ppt/slides/slide43.xml><?xml version="1.0" encoding="utf-8"?>
+<p:sld xmlns:a="http://schemas.openxmlformats.org/drawingml/2006/main" xmlns:r="http://schemas.openxmlformats.org/officeDocument/2006/relationships" xmlns:p="http://schemas.openxmlformats.org/presentationml/2006/main">
+  <p:cSld>
+    <p:spTree>
+      <p:nvGrpSpPr>
+        <p:cNvPr id="1" name=""/>
+        <p:cNvGrpSpPr/>
+        <p:nvPr/>
+      </p:nvGrpSpPr>
+      <p:grpSpPr>
+        <a:xfrm>
+          <a:off x="0" y="0"/>
+          <a:ext cx="0" cy="0"/>
+          <a:chOff x="0" y="0"/>
+          <a:chExt cx="0" cy="0"/>
+        </a:xfrm>
+      </p:grpSpPr>
+      <p:sp>
+        <p:nvSpPr>
+          <p:cNvPr id="2" name="Title 1">
+            <a:extLst>
+              <a:ext uri="{FF2B5EF4-FFF2-40B4-BE49-F238E27FC236}">
+                <a16:creationId xmlns:a16="http://schemas.microsoft.com/office/drawing/2014/main" id="{A23C8CCC-00E4-CD4F-90CC-2F1432F86AD7}"/>
+              </a:ext>
+            </a:extLst>
+          </p:cNvPr>
+          <p:cNvSpPr>
+            <a:spLocks noGrp="1"/>
+          </p:cNvSpPr>
+          <p:nvPr>
+            <p:ph type="title"/>
+          </p:nvPr>
+        </p:nvSpPr>
+        <p:spPr/>
+        <p:txBody>
+          <a:bodyPr>
+            <a:normAutofit fontScale="90000"/>
+          </a:bodyPr>
+          <a:lstStyle/>
+          <a:p>
+            <a:r>
+              <a:rPr lang="en-US" dirty="0"/>
+              <a:t>Lecture 4 : LTL model checking (CEAAT)</a:t>
+            </a:r>
+          </a:p>
+        </p:txBody>
+      </p:sp>
+      <p:pic>
+        <p:nvPicPr>
+          <p:cNvPr id="4" name="Picture 3" descr="A screenshot of a cell phone&#13;&#10;&#13;&#10;Description automatically generated">
+            <a:extLst>
+              <a:ext uri="{FF2B5EF4-FFF2-40B4-BE49-F238E27FC236}">
+                <a16:creationId xmlns:a16="http://schemas.microsoft.com/office/drawing/2014/main" id="{30A7F6BE-1F1E-9544-B103-C4312F49400B}"/>
+              </a:ext>
+            </a:extLst>
+          </p:cNvPr>
+          <p:cNvPicPr>
+            <a:picLocks noChangeAspect="1"/>
+          </p:cNvPicPr>
+          <p:nvPr/>
+        </p:nvPicPr>
+        <p:blipFill>
+          <a:blip r:embed="rId2"/>
+          <a:stretch>
+            <a:fillRect/>
+          </a:stretch>
+        </p:blipFill>
+        <p:spPr>
+          <a:xfrm>
+            <a:off x="660400" y="1708150"/>
+            <a:ext cx="10871200" cy="3441700"/>
+          </a:xfrm>
+          <a:prstGeom prst="rect">
+            <a:avLst/>
+          </a:prstGeom>
+        </p:spPr>
+      </p:pic>
+    </p:spTree>
+    <p:extLst>
+      <p:ext uri="{BB962C8B-B14F-4D97-AF65-F5344CB8AC3E}">
+        <p14:creationId xmlns:p14="http://schemas.microsoft.com/office/powerpoint/2010/main" val="2867223644"/>
+      </p:ext>
+    </p:extLst>
+  </p:cSld>
+  <p:clrMapOvr>
+    <a:masterClrMapping/>
+  </p:clrMapOvr>
+</p:sld>
+</file>
+
+<file path=ppt/slides/slide44.xml><?xml version="1.0" encoding="utf-8"?>
+<p:sld xmlns:a="http://schemas.openxmlformats.org/drawingml/2006/main" xmlns:r="http://schemas.openxmlformats.org/officeDocument/2006/relationships" xmlns:p="http://schemas.openxmlformats.org/presentationml/2006/main">
+  <p:cSld>
+    <p:spTree>
+      <p:nvGrpSpPr>
+        <p:cNvPr id="1" name=""/>
+        <p:cNvGrpSpPr/>
+        <p:nvPr/>
+      </p:nvGrpSpPr>
+      <p:grpSpPr>
+        <a:xfrm>
+          <a:off x="0" y="0"/>
+          <a:ext cx="0" cy="0"/>
+          <a:chOff x="0" y="0"/>
+          <a:chExt cx="0" cy="0"/>
+        </a:xfrm>
+      </p:grpSpPr>
+      <p:sp>
+        <p:nvSpPr>
+          <p:cNvPr id="2" name="Title 1">
+            <a:extLst>
+              <a:ext uri="{FF2B5EF4-FFF2-40B4-BE49-F238E27FC236}">
+                <a16:creationId xmlns:a16="http://schemas.microsoft.com/office/drawing/2014/main" id="{A23C8CCC-00E4-CD4F-90CC-2F1432F86AD7}"/>
+              </a:ext>
+            </a:extLst>
+          </p:cNvPr>
+          <p:cNvSpPr>
+            <a:spLocks noGrp="1"/>
+          </p:cNvSpPr>
+          <p:nvPr>
+            <p:ph type="title"/>
+          </p:nvPr>
+        </p:nvSpPr>
+        <p:spPr/>
+        <p:txBody>
+          <a:bodyPr>
+            <a:normAutofit fontScale="90000"/>
+          </a:bodyPr>
+          <a:lstStyle/>
+          <a:p>
+            <a:r>
+              <a:rPr lang="en-US" dirty="0"/>
+              <a:t>Lecture 4 : LTL model checking (CEAAT)</a:t>
+            </a:r>
+          </a:p>
+        </p:txBody>
+      </p:sp>
+      <p:pic>
+        <p:nvPicPr>
+          <p:cNvPr id="4" name="Picture 3" descr="A picture containing object&#13;&#10;&#13;&#10;Description automatically generated">
+            <a:extLst>
+              <a:ext uri="{FF2B5EF4-FFF2-40B4-BE49-F238E27FC236}">
+                <a16:creationId xmlns:a16="http://schemas.microsoft.com/office/drawing/2014/main" id="{D9F5DDB2-E83A-DF41-9CB5-5736E9B67CBB}"/>
+              </a:ext>
+            </a:extLst>
+          </p:cNvPr>
+          <p:cNvPicPr>
+            <a:picLocks noChangeAspect="1"/>
+          </p:cNvPicPr>
+          <p:nvPr/>
+        </p:nvPicPr>
+        <p:blipFill>
+          <a:blip r:embed="rId2"/>
+          <a:stretch>
+            <a:fillRect/>
+          </a:stretch>
+        </p:blipFill>
+        <p:spPr>
+          <a:xfrm>
+            <a:off x="4394200" y="2940050"/>
+            <a:ext cx="3403600" cy="977900"/>
+          </a:xfrm>
+          <a:prstGeom prst="rect">
+            <a:avLst/>
+          </a:prstGeom>
+        </p:spPr>
+      </p:pic>
+    </p:spTree>
+    <p:extLst>
+      <p:ext uri="{BB962C8B-B14F-4D97-AF65-F5344CB8AC3E}">
+        <p14:creationId xmlns:p14="http://schemas.microsoft.com/office/powerpoint/2010/main" val="3373465805"/>
+      </p:ext>
+    </p:extLst>
+  </p:cSld>
+  <p:clrMapOvr>
+    <a:masterClrMapping/>
+  </p:clrMapOvr>
+</p:sld>
+</file>
+
+<file path=ppt/slides/slide45.xml><?xml version="1.0" encoding="utf-8"?>
+<p:sld xmlns:a="http://schemas.openxmlformats.org/drawingml/2006/main" xmlns:r="http://schemas.openxmlformats.org/officeDocument/2006/relationships" xmlns:p="http://schemas.openxmlformats.org/presentationml/2006/main">
+  <p:cSld>
+    <p:spTree>
+      <p:nvGrpSpPr>
+        <p:cNvPr id="1" name=""/>
+        <p:cNvGrpSpPr/>
+        <p:nvPr/>
+      </p:nvGrpSpPr>
+      <p:grpSpPr>
+        <a:xfrm>
+          <a:off x="0" y="0"/>
+          <a:ext cx="0" cy="0"/>
+          <a:chOff x="0" y="0"/>
+          <a:chExt cx="0" cy="0"/>
+        </a:xfrm>
+      </p:grpSpPr>
+      <p:sp>
+        <p:nvSpPr>
+          <p:cNvPr id="2" name="Title 1">
+            <a:extLst>
+              <a:ext uri="{FF2B5EF4-FFF2-40B4-BE49-F238E27FC236}">
+                <a16:creationId xmlns:a16="http://schemas.microsoft.com/office/drawing/2014/main" id="{A23C8CCC-00E4-CD4F-90CC-2F1432F86AD7}"/>
+              </a:ext>
+            </a:extLst>
+          </p:cNvPr>
+          <p:cNvSpPr>
+            <a:spLocks noGrp="1"/>
+          </p:cNvSpPr>
+          <p:nvPr>
+            <p:ph type="title"/>
+          </p:nvPr>
+        </p:nvSpPr>
+        <p:spPr/>
+        <p:txBody>
+          <a:bodyPr>
+            <a:normAutofit fontScale="90000"/>
+          </a:bodyPr>
+          <a:lstStyle/>
+          <a:p>
+            <a:r>
+              <a:rPr lang="en-US" dirty="0"/>
+              <a:t>Lecture 4 : LTL model checking (CEAAT)</a:t>
+            </a:r>
+          </a:p>
+        </p:txBody>
+      </p:sp>
+      <p:pic>
+        <p:nvPicPr>
+          <p:cNvPr id="4" name="Picture 3" descr="A close up of a watch&#13;&#10;&#13;&#10;Description automatically generated">
+            <a:extLst>
+              <a:ext uri="{FF2B5EF4-FFF2-40B4-BE49-F238E27FC236}">
+                <a16:creationId xmlns:a16="http://schemas.microsoft.com/office/drawing/2014/main" id="{0F7B68AF-602B-ED49-A0EC-F1383F6AEA3E}"/>
+              </a:ext>
+            </a:extLst>
+          </p:cNvPr>
+          <p:cNvPicPr>
+            <a:picLocks noChangeAspect="1"/>
+          </p:cNvPicPr>
+          <p:nvPr/>
+        </p:nvPicPr>
+        <p:blipFill>
+          <a:blip r:embed="rId2"/>
+          <a:stretch>
+            <a:fillRect/>
+          </a:stretch>
+        </p:blipFill>
+        <p:spPr>
+          <a:xfrm>
+            <a:off x="692150" y="1841500"/>
+            <a:ext cx="10807700" cy="3175000"/>
+          </a:xfrm>
+          <a:prstGeom prst="rect">
+            <a:avLst/>
+          </a:prstGeom>
+        </p:spPr>
+      </p:pic>
+    </p:spTree>
+    <p:extLst>
+      <p:ext uri="{BB962C8B-B14F-4D97-AF65-F5344CB8AC3E}">
+        <p14:creationId xmlns:p14="http://schemas.microsoft.com/office/powerpoint/2010/main" val="1140388471"/>
       </p:ext>
     </p:extLst>
   </p:cSld>
@@ -7078,7 +7978,7 @@
           <p:cNvPr id="2" name="Title 1">
             <a:extLst>
               <a:ext uri="{FF2B5EF4-FFF2-40B4-BE49-F238E27FC236}">
-                <a16:creationId xmlns:a16="http://schemas.microsoft.com/office/drawing/2014/main" id="{A23C8CCC-00E4-CD4F-90CC-2F1432F86AD7}"/>
+                <a16:creationId xmlns:a16="http://schemas.microsoft.com/office/drawing/2014/main" id="{0979CC57-394A-044E-9B68-5F6C0FD37AC1}"/>
               </a:ext>
             </a:extLst>
           </p:cNvPr>
@@ -7098,53 +7998,40 @@
           <a:p>
             <a:r>
               <a:rPr lang="en-US" dirty="0"/>
-              <a:t>ex2 : fire up w/o </a:t>
-            </a:r>
-            <a:r>
-              <a:rPr lang="en-US" dirty="0" err="1"/>
-              <a:t>init</a:t>
-            </a:r>
-            <a:r>
-              <a:rPr lang="en-US" dirty="0"/>
-              <a:t> process</a:t>
-            </a:r>
-          </a:p>
-        </p:txBody>
-      </p:sp>
-      <p:pic>
-        <p:nvPicPr>
-          <p:cNvPr id="6" name="Picture 5">
-            <a:extLst>
-              <a:ext uri="{FF2B5EF4-FFF2-40B4-BE49-F238E27FC236}">
-                <a16:creationId xmlns:a16="http://schemas.microsoft.com/office/drawing/2014/main" id="{44B7DAC9-0815-5640-B32E-09351E976005}"/>
-              </a:ext>
-            </a:extLst>
-          </p:cNvPr>
-          <p:cNvPicPr>
-            <a:picLocks noChangeAspect="1"/>
-          </p:cNvPicPr>
-          <p:nvPr/>
-        </p:nvPicPr>
-        <p:blipFill>
-          <a:blip r:embed="rId2"/>
-          <a:stretch>
-            <a:fillRect/>
-          </a:stretch>
-        </p:blipFill>
-        <p:spPr>
-          <a:xfrm>
-            <a:off x="3962400" y="1962150"/>
-            <a:ext cx="4267200" cy="2933700"/>
-          </a:xfrm>
-          <a:prstGeom prst="rect">
-            <a:avLst/>
-          </a:prstGeom>
-        </p:spPr>
-      </p:pic>
+              <a:t>Overview</a:t>
+            </a:r>
+          </a:p>
+        </p:txBody>
+      </p:sp>
+      <p:sp>
+        <p:nvSpPr>
+          <p:cNvPr id="3" name="Content Placeholder 2">
+            <a:extLst>
+              <a:ext uri="{FF2B5EF4-FFF2-40B4-BE49-F238E27FC236}">
+                <a16:creationId xmlns:a16="http://schemas.microsoft.com/office/drawing/2014/main" id="{3F4557E5-10A1-7341-9A24-67AF381B1ABF}"/>
+              </a:ext>
+            </a:extLst>
+          </p:cNvPr>
+          <p:cNvSpPr>
+            <a:spLocks noGrp="1"/>
+          </p:cNvSpPr>
+          <p:nvPr>
+            <p:ph idx="1"/>
+          </p:nvPr>
+        </p:nvSpPr>
+        <p:spPr/>
+        <p:txBody>
+          <a:bodyPr/>
+          <a:lstStyle/>
+          <a:p>
+            <a:endParaRPr lang="en-US"/>
+          </a:p>
+        </p:txBody>
+      </p:sp>
     </p:spTree>
     <p:extLst>
       <p:ext uri="{BB962C8B-B14F-4D97-AF65-F5344CB8AC3E}">
-        <p14:creationId xmlns:p14="http://schemas.microsoft.com/office/powerpoint/2010/main" val="4018207645"/>
+        <p14:creationId xmlns:p14="http://schemas.microsoft.com/office/powerpoint/2010/main" val="3237286044"/>
       </p:ext>
     </p:extLst>
   </p:cSld>
@@ -7176,7 +8063,7 @@
           <p:cNvPr id="2" name="Title 1">
             <a:extLst>
               <a:ext uri="{FF2B5EF4-FFF2-40B4-BE49-F238E27FC236}">
-                <a16:creationId xmlns:a16="http://schemas.microsoft.com/office/drawing/2014/main" id="{A23C8CCC-00E4-CD4F-90CC-2F1432F86AD7}"/>
+                <a16:creationId xmlns:a16="http://schemas.microsoft.com/office/drawing/2014/main" id="{0979CC57-394A-044E-9B68-5F6C0FD37AC1}"/>
               </a:ext>
             </a:extLst>
           </p:cNvPr>
@@ -7196,75 +8083,40 @@
           <a:p>
             <a:r>
               <a:rPr lang="en-US" dirty="0"/>
-              <a:t>ex3</a:t>
-            </a:r>
-          </a:p>
-        </p:txBody>
-      </p:sp>
-      <p:pic>
-        <p:nvPicPr>
-          <p:cNvPr id="9" name="Picture 8" descr="A screen shot of a social media post&#13;&#10;&#13;&#10;Description automatically generated">
-            <a:extLst>
-              <a:ext uri="{FF2B5EF4-FFF2-40B4-BE49-F238E27FC236}">
-                <a16:creationId xmlns:a16="http://schemas.microsoft.com/office/drawing/2014/main" id="{3DFB3234-FA07-F24F-873A-3940D015EFA9}"/>
-              </a:ext>
-            </a:extLst>
-          </p:cNvPr>
-          <p:cNvPicPr>
-            <a:picLocks noChangeAspect="1"/>
-          </p:cNvPicPr>
-          <p:nvPr/>
-        </p:nvPicPr>
-        <p:blipFill>
-          <a:blip r:embed="rId2"/>
-          <a:stretch>
-            <a:fillRect/>
-          </a:stretch>
-        </p:blipFill>
-        <p:spPr>
-          <a:xfrm>
-            <a:off x="669753" y="1943100"/>
-            <a:ext cx="3378200" cy="2971800"/>
-          </a:xfrm>
-          <a:prstGeom prst="rect">
-            <a:avLst/>
-          </a:prstGeom>
-        </p:spPr>
-      </p:pic>
-      <p:pic>
-        <p:nvPicPr>
-          <p:cNvPr id="11" name="Picture 10" descr="A close up of text on a white background&#13;&#10;&#13;&#10;Description automatically generated">
-            <a:extLst>
-              <a:ext uri="{FF2B5EF4-FFF2-40B4-BE49-F238E27FC236}">
-                <a16:creationId xmlns:a16="http://schemas.microsoft.com/office/drawing/2014/main" id="{2A8CEFC6-E919-4C41-AE77-455EDE31D855}"/>
-              </a:ext>
-            </a:extLst>
-          </p:cNvPr>
-          <p:cNvPicPr>
-            <a:picLocks noChangeAspect="1"/>
-          </p:cNvPicPr>
-          <p:nvPr/>
-        </p:nvPicPr>
-        <p:blipFill>
-          <a:blip r:embed="rId3"/>
-          <a:stretch>
-            <a:fillRect/>
-          </a:stretch>
-        </p:blipFill>
-        <p:spPr>
-          <a:xfrm>
-            <a:off x="5585932" y="1787747"/>
-            <a:ext cx="5613400" cy="3835400"/>
-          </a:xfrm>
-          <a:prstGeom prst="rect">
-            <a:avLst/>
-          </a:prstGeom>
-        </p:spPr>
-      </p:pic>
+              <a:t>Overview</a:t>
+            </a:r>
+          </a:p>
+        </p:txBody>
+      </p:sp>
+      <p:sp>
+        <p:nvSpPr>
+          <p:cNvPr id="3" name="Content Placeholder 2">
+            <a:extLst>
+              <a:ext uri="{FF2B5EF4-FFF2-40B4-BE49-F238E27FC236}">
+                <a16:creationId xmlns:a16="http://schemas.microsoft.com/office/drawing/2014/main" id="{3F4557E5-10A1-7341-9A24-67AF381B1ABF}"/>
+              </a:ext>
+            </a:extLst>
+          </p:cNvPr>
+          <p:cNvSpPr>
+            <a:spLocks noGrp="1"/>
+          </p:cNvSpPr>
+          <p:nvPr>
+            <p:ph idx="1"/>
+          </p:nvPr>
+        </p:nvSpPr>
+        <p:spPr/>
+        <p:txBody>
+          <a:bodyPr/>
+          <a:lstStyle/>
+          <a:p>
+            <a:endParaRPr lang="en-US"/>
+          </a:p>
+        </p:txBody>
+      </p:sp>
     </p:spTree>
     <p:extLst>
       <p:ext uri="{BB962C8B-B14F-4D97-AF65-F5344CB8AC3E}">
-        <p14:creationId xmlns:p14="http://schemas.microsoft.com/office/powerpoint/2010/main" val="1675435367"/>
+        <p14:creationId xmlns:p14="http://schemas.microsoft.com/office/powerpoint/2010/main" val="2003826408"/>
       </p:ext>
     </p:extLst>
   </p:cSld>
@@ -7296,7 +8148,7 @@
           <p:cNvPr id="2" name="Title 1">
             <a:extLst>
               <a:ext uri="{FF2B5EF4-FFF2-40B4-BE49-F238E27FC236}">
-                <a16:creationId xmlns:a16="http://schemas.microsoft.com/office/drawing/2014/main" id="{A23C8CCC-00E4-CD4F-90CC-2F1432F86AD7}"/>
+                <a16:creationId xmlns:a16="http://schemas.microsoft.com/office/drawing/2014/main" id="{0979CC57-394A-044E-9B68-5F6C0FD37AC1}"/>
               </a:ext>
             </a:extLst>
           </p:cNvPr>
@@ -7316,45 +8168,40 @@
           <a:p>
             <a:r>
               <a:rPr lang="en-US" dirty="0"/>
-              <a:t>ex4</a:t>
-            </a:r>
-          </a:p>
-        </p:txBody>
-      </p:sp>
-      <p:pic>
-        <p:nvPicPr>
-          <p:cNvPr id="7" name="Picture 6">
-            <a:extLst>
-              <a:ext uri="{FF2B5EF4-FFF2-40B4-BE49-F238E27FC236}">
-                <a16:creationId xmlns:a16="http://schemas.microsoft.com/office/drawing/2014/main" id="{23A84809-B482-324D-BDFC-58453F74C738}"/>
-              </a:ext>
-            </a:extLst>
-          </p:cNvPr>
-          <p:cNvPicPr>
-            <a:picLocks noChangeAspect="1"/>
-          </p:cNvPicPr>
-          <p:nvPr/>
-        </p:nvPicPr>
-        <p:blipFill>
-          <a:blip r:embed="rId2"/>
-          <a:stretch>
-            <a:fillRect/>
-          </a:stretch>
-        </p:blipFill>
-        <p:spPr>
-          <a:xfrm>
-            <a:off x="3948420" y="1446741"/>
-            <a:ext cx="4826000" cy="5130800"/>
-          </a:xfrm>
-          <a:prstGeom prst="rect">
-            <a:avLst/>
-          </a:prstGeom>
-        </p:spPr>
-      </p:pic>
+              <a:t>Overview</a:t>
+            </a:r>
+          </a:p>
+        </p:txBody>
+      </p:sp>
+      <p:sp>
+        <p:nvSpPr>
+          <p:cNvPr id="3" name="Content Placeholder 2">
+            <a:extLst>
+              <a:ext uri="{FF2B5EF4-FFF2-40B4-BE49-F238E27FC236}">
+                <a16:creationId xmlns:a16="http://schemas.microsoft.com/office/drawing/2014/main" id="{3F4557E5-10A1-7341-9A24-67AF381B1ABF}"/>
+              </a:ext>
+            </a:extLst>
+          </p:cNvPr>
+          <p:cNvSpPr>
+            <a:spLocks noGrp="1"/>
+          </p:cNvSpPr>
+          <p:nvPr>
+            <p:ph idx="1"/>
+          </p:nvPr>
+        </p:nvSpPr>
+        <p:spPr/>
+        <p:txBody>
+          <a:bodyPr/>
+          <a:lstStyle/>
+          <a:p>
+            <a:endParaRPr lang="en-US"/>
+          </a:p>
+        </p:txBody>
+      </p:sp>
     </p:spTree>
     <p:extLst>
       <p:ext uri="{BB962C8B-B14F-4D97-AF65-F5344CB8AC3E}">
-        <p14:creationId xmlns:p14="http://schemas.microsoft.com/office/powerpoint/2010/main" val="562026909"/>
+        <p14:creationId xmlns:p14="http://schemas.microsoft.com/office/powerpoint/2010/main" val="2089168669"/>
       </p:ext>
     </p:extLst>
   </p:cSld>
@@ -7386,7 +8233,7 @@
           <p:cNvPr id="2" name="Title 1">
             <a:extLst>
               <a:ext uri="{FF2B5EF4-FFF2-40B4-BE49-F238E27FC236}">
-                <a16:creationId xmlns:a16="http://schemas.microsoft.com/office/drawing/2014/main" id="{A23C8CCC-00E4-CD4F-90CC-2F1432F86AD7}"/>
+                <a16:creationId xmlns:a16="http://schemas.microsoft.com/office/drawing/2014/main" id="{0979CC57-394A-044E-9B68-5F6C0FD37AC1}"/>
               </a:ext>
             </a:extLst>
           </p:cNvPr>
@@ -7406,45 +8253,40 @@
           <a:p>
             <a:r>
               <a:rPr lang="en-US" dirty="0"/>
-              <a:t>ex5</a:t>
-            </a:r>
-          </a:p>
-        </p:txBody>
-      </p:sp>
-      <p:pic>
-        <p:nvPicPr>
-          <p:cNvPr id="4" name="Picture 3" descr="A close up of text on a white background&#13;&#10;&#13;&#10;Description automatically generated">
-            <a:extLst>
-              <a:ext uri="{FF2B5EF4-FFF2-40B4-BE49-F238E27FC236}">
-                <a16:creationId xmlns:a16="http://schemas.microsoft.com/office/drawing/2014/main" id="{44BFE703-63BC-AE45-A04C-66E1274378B9}"/>
-              </a:ext>
-            </a:extLst>
-          </p:cNvPr>
-          <p:cNvPicPr>
-            <a:picLocks noChangeAspect="1"/>
-          </p:cNvPicPr>
-          <p:nvPr/>
-        </p:nvPicPr>
-        <p:blipFill>
-          <a:blip r:embed="rId2"/>
-          <a:stretch>
-            <a:fillRect/>
-          </a:stretch>
-        </p:blipFill>
-        <p:spPr>
-          <a:xfrm>
-            <a:off x="3219216" y="0"/>
-            <a:ext cx="5753567" cy="6858000"/>
-          </a:xfrm>
-          <a:prstGeom prst="rect">
-            <a:avLst/>
-          </a:prstGeom>
-        </p:spPr>
-      </p:pic>
+              <a:t>Overview</a:t>
+            </a:r>
+          </a:p>
+        </p:txBody>
+      </p:sp>
+      <p:sp>
+        <p:nvSpPr>
+          <p:cNvPr id="3" name="Content Placeholder 2">
+            <a:extLst>
+              <a:ext uri="{FF2B5EF4-FFF2-40B4-BE49-F238E27FC236}">
+                <a16:creationId xmlns:a16="http://schemas.microsoft.com/office/drawing/2014/main" id="{3F4557E5-10A1-7341-9A24-67AF381B1ABF}"/>
+              </a:ext>
+            </a:extLst>
+          </p:cNvPr>
+          <p:cNvSpPr>
+            <a:spLocks noGrp="1"/>
+          </p:cNvSpPr>
+          <p:nvPr>
+            <p:ph idx="1"/>
+          </p:nvPr>
+        </p:nvSpPr>
+        <p:spPr/>
+        <p:txBody>
+          <a:bodyPr/>
+          <a:lstStyle/>
+          <a:p>
+            <a:endParaRPr lang="en-US"/>
+          </a:p>
+        </p:txBody>
+      </p:sp>
     </p:spTree>
     <p:extLst>
       <p:ext uri="{BB962C8B-B14F-4D97-AF65-F5344CB8AC3E}">
-        <p14:creationId xmlns:p14="http://schemas.microsoft.com/office/powerpoint/2010/main" val="785532104"/>
+        <p14:creationId xmlns:p14="http://schemas.microsoft.com/office/powerpoint/2010/main" val="3554898861"/>
       </p:ext>
     </p:extLst>
   </p:cSld>
@@ -7496,17 +8338,17 @@
           <a:p>
             <a:r>
               <a:rPr lang="en-US" dirty="0"/>
-              <a:t>ex5</a:t>
+              <a:t>ex1</a:t>
             </a:r>
           </a:p>
         </p:txBody>
       </p:sp>
       <p:pic>
         <p:nvPicPr>
-          <p:cNvPr id="7" name="Picture 6" descr="A screenshot of a cell phone&#13;&#10;&#13;&#10;Description automatically generated">
-            <a:extLst>
-              <a:ext uri="{FF2B5EF4-FFF2-40B4-BE49-F238E27FC236}">
-                <a16:creationId xmlns:a16="http://schemas.microsoft.com/office/drawing/2014/main" id="{DB06C13A-EF04-3D45-894C-CBA9E03CCD25}"/>
+          <p:cNvPr id="9" name="Picture 8">
+            <a:extLst>
+              <a:ext uri="{FF2B5EF4-FFF2-40B4-BE49-F238E27FC236}">
+                <a16:creationId xmlns:a16="http://schemas.microsoft.com/office/drawing/2014/main" id="{0A5CF66F-A2E3-944D-A0A0-3E4B24F59E8F}"/>
               </a:ext>
             </a:extLst>
           </p:cNvPr>
@@ -7523,8 +8365,8 @@
         </p:blipFill>
         <p:spPr>
           <a:xfrm>
-            <a:off x="2565400" y="1238250"/>
-            <a:ext cx="7061200" cy="4381500"/>
+            <a:off x="2228850" y="1498600"/>
+            <a:ext cx="7734300" cy="3860800"/>
           </a:xfrm>
           <a:prstGeom prst="rect">
             <a:avLst/>
@@ -7534,7 +8376,7 @@
     </p:spTree>
     <p:extLst>
       <p:ext uri="{BB962C8B-B14F-4D97-AF65-F5344CB8AC3E}">
-        <p14:creationId xmlns:p14="http://schemas.microsoft.com/office/powerpoint/2010/main" val="1975949337"/>
+        <p14:creationId xmlns:p14="http://schemas.microsoft.com/office/powerpoint/2010/main" val="2756532830"/>
       </p:ext>
     </p:extLst>
   </p:cSld>

--- a/Lec3/L3.pptx
+++ b/Lec3/L3.pptx
@@ -17,8 +17,8 @@
     <p:sldId id="901" r:id="rId5"/>
     <p:sldId id="902" r:id="rId6"/>
     <p:sldId id="903" r:id="rId7"/>
-    <p:sldId id="904" r:id="rId8"/>
-    <p:sldId id="905" r:id="rId9"/>
+    <p:sldId id="907" r:id="rId8"/>
+    <p:sldId id="908" r:id="rId9"/>
     <p:sldId id="861" r:id="rId10"/>
     <p:sldId id="866" r:id="rId11"/>
     <p:sldId id="867" r:id="rId12"/>
@@ -4240,6 +4240,111 @@
           </a:prstGeom>
         </p:spPr>
       </p:pic>
+      <p:sp>
+        <p:nvSpPr>
+          <p:cNvPr id="3" name="TextBox 2">
+            <a:extLst>
+              <a:ext uri="{FF2B5EF4-FFF2-40B4-BE49-F238E27FC236}">
+                <a16:creationId xmlns:a16="http://schemas.microsoft.com/office/drawing/2014/main" id="{ABA3AC83-C77D-484E-9685-A5795097AFDD}"/>
+              </a:ext>
+            </a:extLst>
+          </p:cNvPr>
+          <p:cNvSpPr txBox="1"/>
+          <p:nvPr/>
+        </p:nvSpPr>
+        <p:spPr>
+          <a:xfrm>
+            <a:off x="2262554" y="1160585"/>
+            <a:ext cx="9393918" cy="923330"/>
+          </a:xfrm>
+          <a:prstGeom prst="rect">
+            <a:avLst/>
+          </a:prstGeom>
+          <a:noFill/>
+        </p:spPr>
+        <p:txBody>
+          <a:bodyPr wrap="none" rtlCol="0">
+            <a:spAutoFit/>
+          </a:bodyPr>
+          <a:lstStyle/>
+          <a:p>
+            <a:r>
+              <a:rPr lang="en-US" dirty="0">
+                <a:solidFill>
+                  <a:schemeClr val="accent3">
+                    <a:lumMod val="75000"/>
+                  </a:schemeClr>
+                </a:solidFill>
+              </a:rPr>
+              <a:t>More elegant, the state vector does not need to store the state of “</a:t>
+            </a:r>
+            <a:r>
+              <a:rPr lang="en-US" dirty="0" err="1">
+                <a:solidFill>
+                  <a:schemeClr val="accent3">
+                    <a:lumMod val="75000"/>
+                  </a:schemeClr>
+                </a:solidFill>
+              </a:rPr>
+              <a:t>init</a:t>
+            </a:r>
+            <a:r>
+              <a:rPr lang="en-US" dirty="0">
+                <a:solidFill>
+                  <a:schemeClr val="accent3">
+                    <a:lumMod val="75000"/>
+                  </a:schemeClr>
+                </a:solidFill>
+              </a:rPr>
+              <a:t>”</a:t>
+            </a:r>
+          </a:p>
+          <a:p>
+            <a:r>
+              <a:rPr lang="en-US" dirty="0">
+                <a:solidFill>
+                  <a:schemeClr val="accent3">
+                    <a:lumMod val="75000"/>
+                  </a:schemeClr>
+                </a:solidFill>
+              </a:rPr>
+              <a:t>(slightly more efficient; the state vector size is smaller; the # of states may be the same</a:t>
+            </a:r>
+          </a:p>
+          <a:p>
+            <a:r>
+              <a:rPr lang="en-US" dirty="0">
+                <a:solidFill>
+                  <a:schemeClr val="accent3">
+                    <a:lumMod val="75000"/>
+                  </a:schemeClr>
+                </a:solidFill>
+              </a:rPr>
+              <a:t> as “</a:t>
+            </a:r>
+            <a:r>
+              <a:rPr lang="en-US" dirty="0" err="1">
+                <a:solidFill>
+                  <a:schemeClr val="accent3">
+                    <a:lumMod val="75000"/>
+                  </a:schemeClr>
+                </a:solidFill>
+              </a:rPr>
+              <a:t>init</a:t>
+            </a:r>
+            <a:r>
+              <a:rPr lang="en-US" dirty="0">
+                <a:solidFill>
+                  <a:schemeClr val="accent3">
+                    <a:lumMod val="75000"/>
+                  </a:schemeClr>
+                </a:solidFill>
+              </a:rPr>
+              <a:t>” often merely hangs around)</a:t>
+            </a:r>
+          </a:p>
+        </p:txBody>
+      </p:sp>
     </p:spTree>
     <p:extLst>
       <p:ext uri="{BB962C8B-B14F-4D97-AF65-F5344CB8AC3E}">
@@ -4322,7 +4427,7 @@
         </p:blipFill>
         <p:spPr>
           <a:xfrm>
-            <a:off x="669753" y="1943100"/>
+            <a:off x="669753" y="1786344"/>
             <a:ext cx="3378200" cy="2971800"/>
           </a:xfrm>
           <a:prstGeom prst="rect">
@@ -4352,14 +4457,174 @@
         </p:blipFill>
         <p:spPr>
           <a:xfrm>
-            <a:off x="5585932" y="1787747"/>
-            <a:ext cx="5613400" cy="3835400"/>
+            <a:off x="4200881" y="1034296"/>
+            <a:ext cx="5308880" cy="3627334"/>
           </a:xfrm>
           <a:prstGeom prst="rect">
             <a:avLst/>
           </a:prstGeom>
         </p:spPr>
       </p:pic>
+      <p:sp>
+        <p:nvSpPr>
+          <p:cNvPr id="3" name="TextBox 2">
+            <a:extLst>
+              <a:ext uri="{FF2B5EF4-FFF2-40B4-BE49-F238E27FC236}">
+                <a16:creationId xmlns:a16="http://schemas.microsoft.com/office/drawing/2014/main" id="{90809CB4-B3EC-394F-898E-2B1C802A0B09}"/>
+              </a:ext>
+            </a:extLst>
+          </p:cNvPr>
+          <p:cNvSpPr txBox="1"/>
+          <p:nvPr/>
+        </p:nvSpPr>
+        <p:spPr>
+          <a:xfrm>
+            <a:off x="259829" y="4950231"/>
+            <a:ext cx="4852098" cy="1754326"/>
+          </a:xfrm>
+          <a:prstGeom prst="rect">
+            <a:avLst/>
+          </a:prstGeom>
+          <a:noFill/>
+        </p:spPr>
+        <p:txBody>
+          <a:bodyPr wrap="none" rtlCol="0">
+            <a:spAutoFit/>
+          </a:bodyPr>
+          <a:lstStyle/>
+          <a:p>
+            <a:r>
+              <a:rPr lang="en-US" dirty="0">
+                <a:solidFill>
+                  <a:schemeClr val="accent3">
+                    <a:lumMod val="75000"/>
+                  </a:schemeClr>
+                </a:solidFill>
+              </a:rPr>
+              <a:t>This is saying “whenever the never</a:t>
+            </a:r>
+          </a:p>
+          <a:p>
+            <a:r>
+              <a:rPr lang="en-US" dirty="0">
+                <a:solidFill>
+                  <a:schemeClr val="accent3">
+                    <a:lumMod val="75000"/>
+                  </a:schemeClr>
+                </a:solidFill>
+              </a:rPr>
+              <a:t> automaton wakes up and looks, </a:t>
+            </a:r>
+          </a:p>
+          <a:p>
+            <a:r>
+              <a:rPr lang="en-US" dirty="0">
+                <a:solidFill>
+                  <a:schemeClr val="accent3">
+                    <a:lumMod val="75000"/>
+                  </a:schemeClr>
+                </a:solidFill>
+              </a:rPr>
+              <a:t> it won’t have an occasion to see x==3,</a:t>
+            </a:r>
+          </a:p>
+          <a:p>
+            <a:r>
+              <a:rPr lang="en-US" dirty="0">
+                <a:solidFill>
+                  <a:schemeClr val="accent3">
+                    <a:lumMod val="75000"/>
+                  </a:schemeClr>
+                </a:solidFill>
+              </a:rPr>
+              <a:t> which causes ‘never’ to break out and reach</a:t>
+            </a:r>
+          </a:p>
+          <a:p>
+            <a:r>
+              <a:rPr lang="en-US" dirty="0">
+                <a:solidFill>
+                  <a:schemeClr val="accent3">
+                    <a:lumMod val="75000"/>
+                  </a:schemeClr>
+                </a:solidFill>
+              </a:rPr>
+              <a:t> } , which is one way the “never” accepts.</a:t>
+            </a:r>
+          </a:p>
+          <a:p>
+            <a:r>
+              <a:rPr lang="en-US" dirty="0">
+                <a:solidFill>
+                  <a:schemeClr val="accent3">
+                    <a:lumMod val="75000"/>
+                  </a:schemeClr>
+                </a:solidFill>
+                <a:sym typeface="Wingdings" pitchFamily="2" charset="2"/>
+              </a:rPr>
+              <a:t> “never” accepting is bad news !!</a:t>
+            </a:r>
+            <a:endParaRPr lang="en-US" dirty="0">
+              <a:solidFill>
+                <a:schemeClr val="accent3">
+                  <a:lumMod val="75000"/>
+                </a:schemeClr>
+              </a:solidFill>
+            </a:endParaRPr>
+          </a:p>
+        </p:txBody>
+      </p:sp>
+      <p:sp>
+        <p:nvSpPr>
+          <p:cNvPr id="4" name="TextBox 3">
+            <a:extLst>
+              <a:ext uri="{FF2B5EF4-FFF2-40B4-BE49-F238E27FC236}">
+                <a16:creationId xmlns:a16="http://schemas.microsoft.com/office/drawing/2014/main" id="{DF27E237-6CB9-3541-9A59-7B656FBB7E60}"/>
+              </a:ext>
+            </a:extLst>
+          </p:cNvPr>
+          <p:cNvSpPr txBox="1"/>
+          <p:nvPr/>
+        </p:nvSpPr>
+        <p:spPr>
+          <a:xfrm>
+            <a:off x="5643155" y="4281440"/>
+            <a:ext cx="6084946" cy="2308324"/>
+          </a:xfrm>
+          <a:prstGeom prst="rect">
+            <a:avLst/>
+          </a:prstGeom>
+          <a:noFill/>
+        </p:spPr>
+        <p:txBody>
+          <a:bodyPr wrap="square" rtlCol="0">
+            <a:spAutoFit/>
+          </a:bodyPr>
+          <a:lstStyle/>
+          <a:p>
+            <a:r>
+              <a:rPr lang="en-US" dirty="0"/>
+              <a:t>“when never sleeps, it does the ‘skip’ moves. It is good to let never sleep. Else it will be looking for x==3 right at the beginning which is perhaps not what you  wanted. </a:t>
+            </a:r>
+            <a:r>
+              <a:rPr lang="en-US" dirty="0" err="1"/>
+              <a:t>Also,leaving</a:t>
+            </a:r>
+            <a:r>
+              <a:rPr lang="en-US" dirty="0"/>
+              <a:t> out skip and not finding x==3 at the outset means the “never” is stuck. And when ‘never’ is stuck, it truncates the whole global execution because one does a SYNCHRONOUS product of the system automata with “never”. The system automata are the </a:t>
+            </a:r>
+            <a:r>
+              <a:rPr lang="en-US" dirty="0" err="1"/>
+              <a:t>proctypes</a:t>
+            </a:r>
+            <a:r>
+              <a:rPr lang="en-US" dirty="0"/>
+              <a:t>.</a:t>
+            </a:r>
+          </a:p>
+        </p:txBody>
+      </p:sp>
     </p:spTree>
     <p:extLst>
       <p:ext uri="{BB962C8B-B14F-4D97-AF65-F5344CB8AC3E}">
@@ -6349,13 +6614,16 @@
               <a:rPr lang="en-US" dirty="0">
                 <a:sym typeface="Wingdings" pitchFamily="2" charset="2"/>
               </a:rPr>
-              <a:t>I have to at least tell you one version of the BDD story of </a:t>
-            </a:r>
-            <a:r>
-              <a:rPr lang="en-US">
+              <a:t>I have to at least tell you one version of the BDD story of HW verification!</a:t>
+            </a:r>
+          </a:p>
+          <a:p>
+            <a:pPr lvl="1"/>
+            <a:r>
+              <a:rPr lang="en-US" dirty="0">
                 <a:sym typeface="Wingdings" pitchFamily="2" charset="2"/>
               </a:rPr>
-              <a:t>HW verification!</a:t>
+              <a:t>See UGResearchSeminarTalk21 : talks about the Pentium bug (story for another day)</a:t>
             </a:r>
             <a:endParaRPr lang="en-US" dirty="0"/>
           </a:p>
@@ -7373,7 +7641,7 @@
           <a:p>
             <a:r>
               <a:rPr lang="en-US" dirty="0"/>
-              <a:t>Overview</a:t>
+              <a:t>How SPIN helps</a:t>
             </a:r>
           </a:p>
         </p:txBody>
@@ -7394,12 +7662,130 @@
             <p:ph idx="1"/>
           </p:nvPr>
         </p:nvSpPr>
-        <p:spPr/>
-        <p:txBody>
-          <a:bodyPr/>
-          <a:lstStyle/>
-          <a:p>
-            <a:endParaRPr lang="en-US"/>
+        <p:spPr>
+          <a:xfrm>
+            <a:off x="838199" y="1825625"/>
+            <a:ext cx="10755923" cy="4351338"/>
+          </a:xfrm>
+        </p:spPr>
+        <p:txBody>
+          <a:bodyPr>
+            <a:normAutofit fontScale="92500" lnSpcReduction="20000"/>
+          </a:bodyPr>
+          <a:lstStyle/>
+          <a:p>
+            <a:r>
+              <a:rPr lang="en-US" dirty="0"/>
+              <a:t>Helps you quickly model “situations”</a:t>
+            </a:r>
+          </a:p>
+          <a:p>
+            <a:pPr lvl="1"/>
+            <a:r>
+              <a:rPr lang="en-US" dirty="0"/>
+              <a:t>See SPIN-Soldiers + </a:t>
+            </a:r>
+            <a:r>
+              <a:rPr lang="en-US" dirty="0" err="1"/>
+              <a:t>SpinTutorialby</a:t>
+            </a:r>
+            <a:r>
+              <a:rPr lang="en-US" dirty="0"/>
+              <a:t> </a:t>
+            </a:r>
+            <a:r>
+              <a:rPr lang="en-US" dirty="0" err="1"/>
+              <a:t>Ruys</a:t>
+            </a:r>
+            <a:endParaRPr lang="en-US" dirty="0"/>
+          </a:p>
+          <a:p>
+            <a:r>
+              <a:rPr lang="en-US" dirty="0"/>
+              <a:t>Debug your thoughts</a:t>
+            </a:r>
+          </a:p>
+          <a:p>
+            <a:r>
+              <a:rPr lang="en-US" dirty="0"/>
+              <a:t>Find flaws in design</a:t>
+            </a:r>
+          </a:p>
+          <a:p>
+            <a:r>
+              <a:rPr lang="en-US" dirty="0"/>
+              <a:t>Has a lot of power and will NEVER become irrelevant</a:t>
+            </a:r>
+          </a:p>
+          <a:p>
+            <a:pPr lvl="1"/>
+            <a:r>
+              <a:rPr lang="en-US" dirty="0"/>
+              <a:t>The more complex a system gets, the less you need to get fancy </a:t>
+            </a:r>
+            <a:r>
+              <a:rPr lang="en-US" dirty="0" err="1"/>
+              <a:t>wrt</a:t>
+            </a:r>
+            <a:r>
+              <a:rPr lang="en-US" dirty="0"/>
+              <a:t> verification</a:t>
+            </a:r>
+          </a:p>
+          <a:p>
+            <a:r>
+              <a:rPr lang="en-US" dirty="0"/>
+              <a:t>(after a 1-month training), you can do this</a:t>
+            </a:r>
+          </a:p>
+          <a:p>
+            <a:pPr lvl="1"/>
+            <a:r>
+              <a:rPr lang="en-US" dirty="0"/>
+              <a:t>When in doubt, whip up a SPIN model and find bugs (in system or in your head)</a:t>
+            </a:r>
+          </a:p>
+          <a:p>
+            <a:r>
+              <a:rPr lang="en-US" dirty="0"/>
+              <a:t>Has worked for large systems</a:t>
+            </a:r>
+          </a:p>
+          <a:p>
+            <a:pPr lvl="1"/>
+            <a:r>
+              <a:rPr lang="en-US" dirty="0"/>
+              <a:t>Recent correctness workshop -&gt; entire new </a:t>
+            </a:r>
+            <a:r>
+              <a:rPr lang="en-US" dirty="0" err="1"/>
+              <a:t>Pthreads</a:t>
+            </a:r>
+            <a:r>
+              <a:rPr lang="en-US" dirty="0"/>
+              <a:t> implementation modeled!</a:t>
+            </a:r>
+          </a:p>
+          <a:p>
+            <a:r>
+              <a:rPr lang="en-US" dirty="0"/>
+              <a:t>We don’t have the full month to train you</a:t>
+            </a:r>
+          </a:p>
+          <a:p>
+            <a:pPr lvl="1"/>
+            <a:r>
+              <a:rPr lang="en-US" dirty="0"/>
+              <a:t>This is the last SPIN week … but I’ll give you a REAL protocol </a:t>
+            </a:r>
+            <a:r>
+              <a:rPr lang="en-US" dirty="0" err="1"/>
+              <a:t>verif</a:t>
+            </a:r>
+            <a:r>
+              <a:rPr lang="en-US" dirty="0"/>
+              <a:t> to read on Thu!</a:t>
+            </a:r>
           </a:p>
         </p:txBody>
       </p:sp>
@@ -7998,7 +8384,15 @@
           <a:p>
             <a:r>
               <a:rPr lang="en-US" dirty="0"/>
-              <a:t>Overview</a:t>
+              <a:t>The </a:t>
+            </a:r>
+            <a:r>
+              <a:rPr lang="en-US" dirty="0" err="1"/>
+              <a:t>Promela</a:t>
+            </a:r>
+            <a:r>
+              <a:rPr lang="en-US" dirty="0"/>
+              <a:t> language is very well designed!</a:t>
             </a:r>
           </a:p>
         </p:txBody>
@@ -8021,10 +8415,92 @@
         </p:nvSpPr>
         <p:spPr/>
         <p:txBody>
-          <a:bodyPr/>
-          <a:lstStyle/>
-          <a:p>
-            <a:endParaRPr lang="en-US"/>
+          <a:bodyPr>
+            <a:normAutofit fontScale="92500" lnSpcReduction="10000"/>
+          </a:bodyPr>
+          <a:lstStyle/>
+          <a:p>
+            <a:r>
+              <a:rPr lang="en-US" dirty="0"/>
+              <a:t>It has some traps</a:t>
+            </a:r>
+          </a:p>
+          <a:p>
+            <a:pPr lvl="1"/>
+            <a:r>
+              <a:rPr lang="en-US" dirty="0"/>
+              <a:t>E.g. “x = x + 1” is considered atomic</a:t>
+            </a:r>
+          </a:p>
+          <a:p>
+            <a:pPr lvl="2"/>
+            <a:r>
+              <a:rPr lang="en-US" dirty="0"/>
+              <a:t>What is wrong ?!</a:t>
+            </a:r>
+          </a:p>
+          <a:p>
+            <a:pPr lvl="1"/>
+            <a:r>
+              <a:rPr lang="en-US" dirty="0"/>
+              <a:t>But for a modeling language, this IS a good choice!</a:t>
+            </a:r>
+          </a:p>
+          <a:p>
+            <a:r>
+              <a:rPr lang="en-US" dirty="0"/>
+              <a:t>But it has many nifty constructs! (used in 10000.. Projects!)</a:t>
+            </a:r>
+          </a:p>
+          <a:p>
+            <a:pPr lvl="1"/>
+            <a:r>
+              <a:rPr lang="en-US" dirty="0"/>
+              <a:t>P = Q + R ; // Some sundry statement</a:t>
+            </a:r>
+          </a:p>
+          <a:p>
+            <a:pPr lvl="1"/>
+            <a:r>
+              <a:rPr lang="en-US" dirty="0"/>
+              <a:t>X == 0 ;     // Await X == 0   .   This is a language that allows expressions</a:t>
+            </a:r>
+          </a:p>
+          <a:p>
+            <a:pPr marL="457200" lvl="1" indent="0">
+              <a:buNone/>
+            </a:pPr>
+            <a:r>
+              <a:rPr lang="en-US" dirty="0"/>
+              <a:t>					at places you would expect commands to be </a:t>
+            </a:r>
+          </a:p>
+          <a:p>
+            <a:pPr marL="457200" lvl="1" indent="0">
+              <a:buNone/>
+            </a:pPr>
+            <a:r>
+              <a:rPr lang="en-US" dirty="0"/>
+              <a:t>					used!</a:t>
+            </a:r>
+          </a:p>
+          <a:p>
+            <a:pPr marL="457200" lvl="1" indent="0">
+              <a:buNone/>
+            </a:pPr>
+            <a:r>
+              <a:rPr lang="en-US" dirty="0"/>
+              <a:t>So for the “monkeys on a rope”, the rope is a mutex (semaphore) and can be modeled as follows</a:t>
+            </a:r>
+          </a:p>
+          <a:p>
+            <a:pPr marL="457200" lvl="1" indent="0">
+              <a:buNone/>
+            </a:pPr>
+            <a:r>
+              <a:rPr lang="en-US" dirty="0"/>
+              <a:t>	atomic { rope == 0 ; rope = 1; } ;  Enjoy the rope here! ; rope = 0; &lt;-release rope</a:t>
+            </a:r>
           </a:p>
         </p:txBody>
       </p:sp>
@@ -8083,7 +8559,7 @@
           <a:p>
             <a:r>
               <a:rPr lang="en-US" dirty="0"/>
-              <a:t>Overview</a:t>
+              <a:t>Let’s dive into SPIN</a:t>
             </a:r>
           </a:p>
         </p:txBody>
@@ -8106,10 +8582,103 @@
         </p:nvSpPr>
         <p:spPr/>
         <p:txBody>
-          <a:bodyPr/>
-          <a:lstStyle/>
-          <a:p>
-            <a:endParaRPr lang="en-US"/>
+          <a:bodyPr>
+            <a:normAutofit lnSpcReduction="10000"/>
+          </a:bodyPr>
+          <a:lstStyle/>
+          <a:p>
+            <a:r>
+              <a:rPr lang="en-US" dirty="0"/>
+              <a:t>Go thru graded examples</a:t>
+            </a:r>
+          </a:p>
+          <a:p>
+            <a:r>
+              <a:rPr lang="en-US" dirty="0"/>
+              <a:t>Try all of them</a:t>
+            </a:r>
+          </a:p>
+          <a:p>
+            <a:endParaRPr lang="en-US" dirty="0"/>
+          </a:p>
+          <a:p>
+            <a:r>
+              <a:rPr lang="en-US" dirty="0"/>
+              <a:t>Asg-2</a:t>
+            </a:r>
+          </a:p>
+          <a:p>
+            <a:pPr lvl="1"/>
+            <a:r>
+              <a:rPr lang="en-US" dirty="0"/>
+              <a:t>Fix </a:t>
+            </a:r>
+            <a:r>
+              <a:rPr lang="en-US" dirty="0" err="1"/>
+              <a:t>bubblesort</a:t>
+            </a:r>
+            <a:r>
+              <a:rPr lang="en-US" dirty="0"/>
+              <a:t> in a specific way</a:t>
+            </a:r>
+          </a:p>
+          <a:p>
+            <a:pPr lvl="1"/>
+            <a:r>
+              <a:rPr lang="en-US" dirty="0"/>
+              <a:t>…ditto… philosophers</a:t>
+            </a:r>
+          </a:p>
+          <a:p>
+            <a:pPr lvl="1"/>
+            <a:r>
+              <a:rPr lang="en-US" dirty="0"/>
+              <a:t>Try answering questions </a:t>
+            </a:r>
+            <a:r>
+              <a:rPr lang="en-US" dirty="0" err="1"/>
+              <a:t>wrt</a:t>
+            </a:r>
+            <a:r>
+              <a:rPr lang="en-US" dirty="0"/>
+              <a:t> the examples in this slide-deck</a:t>
+            </a:r>
+          </a:p>
+          <a:p>
+            <a:pPr lvl="1"/>
+            <a:r>
+              <a:rPr lang="en-US" dirty="0"/>
+              <a:t>Read / Try / Understand a wonderfully coded Locking Protocol !</a:t>
+            </a:r>
+          </a:p>
+          <a:p>
+            <a:pPr lvl="2"/>
+            <a:r>
+              <a:rPr lang="en-US" dirty="0"/>
+              <a:t>Coded by my third PhD student Ratan </a:t>
+            </a:r>
+            <a:r>
+              <a:rPr lang="en-US" dirty="0" err="1"/>
+              <a:t>Nalumasu</a:t>
+            </a:r>
+            <a:r>
+              <a:rPr lang="en-US" dirty="0"/>
+              <a:t> (now at Google)</a:t>
+            </a:r>
+          </a:p>
+          <a:p>
+            <a:pPr lvl="3"/>
+            <a:r>
+              <a:rPr lang="en-US" dirty="0"/>
+              <a:t>He wrote a new SPIN-like model-checker (more memory efficient, called PV)</a:t>
+            </a:r>
+          </a:p>
+          <a:p>
+            <a:pPr lvl="3"/>
+            <a:r>
+              <a:rPr lang="en-US" dirty="0"/>
+              <a:t>That was a third of his PhD…</a:t>
+            </a:r>
           </a:p>
         </p:txBody>
       </p:sp>
@@ -8168,7 +8737,15 @@
           <a:p>
             <a:r>
               <a:rPr lang="en-US" dirty="0"/>
-              <a:t>Overview</a:t>
+              <a:t>A brief look at some of the “</a:t>
+            </a:r>
+            <a:r>
+              <a:rPr lang="en-US" dirty="0" err="1"/>
+              <a:t>myCHDL</a:t>
+            </a:r>
+            <a:r>
+              <a:rPr lang="en-US" dirty="0"/>
+              <a:t> slides”</a:t>
             </a:r>
           </a:p>
         </p:txBody>
@@ -8191,17 +8768,115 @@
         </p:nvSpPr>
         <p:spPr/>
         <p:txBody>
-          <a:bodyPr/>
-          <a:lstStyle/>
-          <a:p>
-            <a:endParaRPr lang="en-US"/>
+          <a:bodyPr>
+            <a:normAutofit/>
+          </a:bodyPr>
+          <a:lstStyle/>
+          <a:p>
+            <a:r>
+              <a:rPr lang="en-US" dirty="0"/>
+              <a:t>Basically lock-in an execution model in terms of </a:t>
+            </a:r>
+          </a:p>
+          <a:p>
+            <a:endParaRPr lang="en-US" dirty="0"/>
+          </a:p>
+          <a:p>
+            <a:pPr marL="0" indent="0">
+              <a:buNone/>
+            </a:pPr>
+            <a:r>
+              <a:rPr lang="en-US" dirty="0">
+                <a:solidFill>
+                  <a:srgbClr val="0432FF"/>
+                </a:solidFill>
+              </a:rPr>
+              <a:t> COMMUNICATING NON-DETERMINISTIC AUTOMATA !!</a:t>
+            </a:r>
+          </a:p>
+          <a:p>
+            <a:pPr marL="0" indent="0">
+              <a:buNone/>
+            </a:pPr>
+            <a:endParaRPr lang="en-US" dirty="0">
+              <a:solidFill>
+                <a:srgbClr val="0432FF"/>
+              </a:solidFill>
+            </a:endParaRPr>
+          </a:p>
+          <a:p>
+            <a:pPr marL="0" indent="0">
+              <a:buNone/>
+            </a:pPr>
+            <a:endParaRPr lang="en-US" dirty="0">
+              <a:solidFill>
+                <a:srgbClr val="0432FF"/>
+              </a:solidFill>
+            </a:endParaRPr>
+          </a:p>
+          <a:p>
+            <a:pPr marL="0" indent="0">
+              <a:buNone/>
+            </a:pPr>
+            <a:r>
+              <a:rPr lang="en-US" dirty="0"/>
+              <a:t>Will quickly go over 13 or so of the first 18 slides</a:t>
+            </a:r>
+          </a:p>
+        </p:txBody>
+      </p:sp>
+      <p:sp>
+        <p:nvSpPr>
+          <p:cNvPr id="4" name="TextBox 3">
+            <a:extLst>
+              <a:ext uri="{FF2B5EF4-FFF2-40B4-BE49-F238E27FC236}">
+                <a16:creationId xmlns:a16="http://schemas.microsoft.com/office/drawing/2014/main" id="{99976C40-A5C2-4745-9F85-07EB528F0F8D}"/>
+              </a:ext>
+            </a:extLst>
+          </p:cNvPr>
+          <p:cNvSpPr txBox="1"/>
+          <p:nvPr/>
+        </p:nvSpPr>
+        <p:spPr>
+          <a:xfrm>
+            <a:off x="7561385" y="1359877"/>
+            <a:ext cx="4404347" cy="369332"/>
+          </a:xfrm>
+          <a:prstGeom prst="rect">
+            <a:avLst/>
+          </a:prstGeom>
+          <a:noFill/>
+        </p:spPr>
+        <p:txBody>
+          <a:bodyPr wrap="none" rtlCol="0">
+            <a:spAutoFit/>
+          </a:bodyPr>
+          <a:lstStyle/>
+          <a:p>
+            <a:r>
+              <a:rPr lang="en-US" dirty="0"/>
+              <a:t>See </a:t>
+            </a:r>
+            <a:r>
+              <a:rPr lang="en-US" dirty="0" err="1"/>
+              <a:t>ExternalSpinTuts</a:t>
+            </a:r>
+            <a:r>
+              <a:rPr lang="en-US" dirty="0"/>
+              <a:t>/ in the class </a:t>
+            </a:r>
+            <a:r>
+              <a:rPr lang="en-US" dirty="0" err="1"/>
+              <a:t>github</a:t>
+            </a:r>
+            <a:endParaRPr lang="en-US" dirty="0"/>
           </a:p>
         </p:txBody>
       </p:sp>
     </p:spTree>
     <p:extLst>
       <p:ext uri="{BB962C8B-B14F-4D97-AF65-F5344CB8AC3E}">
-        <p14:creationId xmlns:p14="http://schemas.microsoft.com/office/powerpoint/2010/main" val="2089168669"/>
+        <p14:creationId xmlns:p14="http://schemas.microsoft.com/office/powerpoint/2010/main" val="3187404172"/>
       </p:ext>
     </p:extLst>
   </p:cSld>
@@ -8253,40 +8928,15 @@
           <a:p>
             <a:r>
               <a:rPr lang="en-US" dirty="0"/>
-              <a:t>Overview</a:t>
-            </a:r>
-          </a:p>
-        </p:txBody>
-      </p:sp>
-      <p:sp>
-        <p:nvSpPr>
-          <p:cNvPr id="3" name="Content Placeholder 2">
-            <a:extLst>
-              <a:ext uri="{FF2B5EF4-FFF2-40B4-BE49-F238E27FC236}">
-                <a16:creationId xmlns:a16="http://schemas.microsoft.com/office/drawing/2014/main" id="{3F4557E5-10A1-7341-9A24-67AF381B1ABF}"/>
-              </a:ext>
-            </a:extLst>
-          </p:cNvPr>
-          <p:cNvSpPr>
-            <a:spLocks noGrp="1"/>
-          </p:cNvSpPr>
-          <p:nvPr>
-            <p:ph idx="1"/>
-          </p:nvPr>
-        </p:nvSpPr>
-        <p:spPr/>
-        <p:txBody>
-          <a:bodyPr/>
-          <a:lstStyle/>
-          <a:p>
-            <a:endParaRPr lang="en-US"/>
+              <a:t>Now for the graded list of examples</a:t>
+            </a:r>
           </a:p>
         </p:txBody>
       </p:sp>
     </p:spTree>
     <p:extLst>
       <p:ext uri="{BB962C8B-B14F-4D97-AF65-F5344CB8AC3E}">
-        <p14:creationId xmlns:p14="http://schemas.microsoft.com/office/powerpoint/2010/main" val="3554898861"/>
+        <p14:creationId xmlns:p14="http://schemas.microsoft.com/office/powerpoint/2010/main" val="4088402126"/>
       </p:ext>
     </p:extLst>
   </p:cSld>
